--- a/docs/diagrams/LogicComponentSequenceDiagram.pptx
+++ b/docs/diagrams/LogicComponentSequenceDiagram.pptx
@@ -1,6 +1,6 @@
 
 <file path=ppt/presentation.xml><?xml version="1.0" encoding="utf-8"?>
-<p:presentation xmlns:a="http://schemas.openxmlformats.org/drawingml/2006/main" xmlns:r="http://schemas.openxmlformats.org/officeDocument/2006/relationships" xmlns:p="http://schemas.openxmlformats.org/presentationml/2006/main" saveSubsetFonts="1">
+<p:presentation xmlns:a="http://schemas.openxmlformats.org/drawingml/2006/main" xmlns:r="http://schemas.openxmlformats.org/officeDocument/2006/relationships" xmlns:p="http://schemas.openxmlformats.org/presentationml/2006/main" removePersonalInfoOnSave="1" saveSubsetFonts="1">
   <p:sldMasterIdLst>
     <p:sldMasterId id="2147483648" r:id="rId1"/>
   </p:sldMasterIdLst>
@@ -8,7 +8,7 @@
     <p:notesMasterId r:id="rId3"/>
   </p:notesMasterIdLst>
   <p:sldIdLst>
-    <p:sldId id="256" r:id="rId2"/>
+    <p:sldId id="266" r:id="rId2"/>
   </p:sldIdLst>
   <p:sldSz cx="9144000" cy="6858000" type="screen4x3"/>
   <p:notesSz cx="6858000" cy="9144000"/>
@@ -208,7 +208,7 @@
           <a:p>
             <a:fld id="{F5CC4B3F-88C1-4FFA-B1B6-F41C21DC6924}" type="datetimeFigureOut">
               <a:rPr lang="en-US" smtClean="0"/>
-              <a:t>11/5/2018</a:t>
+              <a:t>12/15/2018</a:t>
             </a:fld>
             <a:endParaRPr lang="en-US"/>
           </a:p>
@@ -475,6 +475,90 @@
 </p:notesMaster>
 </file>
 
+<file path=ppt/notesSlides/notesSlide1.xml><?xml version="1.0" encoding="utf-8"?>
+<p:notes xmlns:a="http://schemas.openxmlformats.org/drawingml/2006/main" xmlns:r="http://schemas.openxmlformats.org/officeDocument/2006/relationships" xmlns:p="http://schemas.openxmlformats.org/presentationml/2006/main">
+  <p:cSld>
+    <p:spTree>
+      <p:nvGrpSpPr>
+        <p:cNvPr id="1" name=""/>
+        <p:cNvGrpSpPr/>
+        <p:nvPr/>
+      </p:nvGrpSpPr>
+      <p:grpSpPr>
+        <a:xfrm>
+          <a:off x="0" y="0"/>
+          <a:ext cx="0" cy="0"/>
+          <a:chOff x="0" y="0"/>
+          <a:chExt cx="0" cy="0"/>
+        </a:xfrm>
+      </p:grpSpPr>
+      <p:sp>
+        <p:nvSpPr>
+          <p:cNvPr id="2" name="Slide Image Placeholder 1"/>
+          <p:cNvSpPr>
+            <a:spLocks noGrp="1" noRot="1" noChangeAspect="1"/>
+          </p:cNvSpPr>
+          <p:nvPr>
+            <p:ph type="sldImg"/>
+          </p:nvPr>
+        </p:nvSpPr>
+        <p:spPr/>
+      </p:sp>
+      <p:sp>
+        <p:nvSpPr>
+          <p:cNvPr id="3" name="Notes Placeholder 2"/>
+          <p:cNvSpPr>
+            <a:spLocks noGrp="1"/>
+          </p:cNvSpPr>
+          <p:nvPr>
+            <p:ph type="body" idx="1"/>
+          </p:nvPr>
+        </p:nvSpPr>
+        <p:spPr/>
+        <p:txBody>
+          <a:bodyPr/>
+          <a:lstStyle/>
+          <a:p>
+            <a:endParaRPr lang="en-SG" dirty="0"/>
+          </a:p>
+        </p:txBody>
+      </p:sp>
+      <p:sp>
+        <p:nvSpPr>
+          <p:cNvPr id="4" name="Slide Number Placeholder 3"/>
+          <p:cNvSpPr>
+            <a:spLocks noGrp="1"/>
+          </p:cNvSpPr>
+          <p:nvPr>
+            <p:ph type="sldNum" sz="quarter" idx="5"/>
+          </p:nvPr>
+        </p:nvSpPr>
+        <p:spPr/>
+        <p:txBody>
+          <a:bodyPr/>
+          <a:lstStyle/>
+          <a:p>
+            <a:fld id="{5A7AB025-77E3-4BD1-A2FD-B3183DBA47A3}" type="slidenum">
+              <a:rPr lang="en-US" smtClean="0"/>
+              <a:t>1</a:t>
+            </a:fld>
+            <a:endParaRPr lang="en-US"/>
+          </a:p>
+        </p:txBody>
+      </p:sp>
+    </p:spTree>
+    <p:extLst>
+      <p:ext uri="{BB962C8B-B14F-4D97-AF65-F5344CB8AC3E}">
+        <p14:creationId xmlns:p14="http://schemas.microsoft.com/office/powerpoint/2010/main" val="2503452583"/>
+      </p:ext>
+    </p:extLst>
+  </p:cSld>
+  <p:clrMapOvr>
+    <a:masterClrMapping/>
+  </p:clrMapOvr>
+</p:notes>
+</file>
+
 <file path=ppt/slideLayouts/slideLayout1.xml><?xml version="1.0" encoding="utf-8"?>
 <p:sldLayout xmlns:a="http://schemas.openxmlformats.org/drawingml/2006/main" xmlns:r="http://schemas.openxmlformats.org/officeDocument/2006/relationships" xmlns:p="http://schemas.openxmlformats.org/presentationml/2006/main" type="title" preserve="1">
   <p:cSld name="Title Slide">
@@ -654,7 +738,7 @@
           <a:p>
             <a:fld id="{78C97017-6FC3-485B-9764-EAC9E56C1D49}" type="datetimeFigureOut">
               <a:rPr lang="en-US" smtClean="0"/>
-              <a:t>11/5/2018</a:t>
+              <a:t>12/15/2018</a:t>
             </a:fld>
             <a:endParaRPr lang="en-US"/>
           </a:p>
@@ -822,7 +906,7 @@
           <a:p>
             <a:fld id="{78C97017-6FC3-485B-9764-EAC9E56C1D49}" type="datetimeFigureOut">
               <a:rPr lang="en-US" smtClean="0"/>
-              <a:t>11/5/2018</a:t>
+              <a:t>12/15/2018</a:t>
             </a:fld>
             <a:endParaRPr lang="en-US"/>
           </a:p>
@@ -1000,7 +1084,7 @@
           <a:p>
             <a:fld id="{78C97017-6FC3-485B-9764-EAC9E56C1D49}" type="datetimeFigureOut">
               <a:rPr lang="en-US" smtClean="0"/>
-              <a:t>11/5/2018</a:t>
+              <a:t>12/15/2018</a:t>
             </a:fld>
             <a:endParaRPr lang="en-US"/>
           </a:p>
@@ -1168,7 +1252,7 @@
           <a:p>
             <a:fld id="{78C97017-6FC3-485B-9764-EAC9E56C1D49}" type="datetimeFigureOut">
               <a:rPr lang="en-US" smtClean="0"/>
-              <a:t>11/5/2018</a:t>
+              <a:t>12/15/2018</a:t>
             </a:fld>
             <a:endParaRPr lang="en-US"/>
           </a:p>
@@ -1413,7 +1497,7 @@
           <a:p>
             <a:fld id="{78C97017-6FC3-485B-9764-EAC9E56C1D49}" type="datetimeFigureOut">
               <a:rPr lang="en-US" smtClean="0"/>
-              <a:t>11/5/2018</a:t>
+              <a:t>12/15/2018</a:t>
             </a:fld>
             <a:endParaRPr lang="en-US"/>
           </a:p>
@@ -1698,7 +1782,7 @@
           <a:p>
             <a:fld id="{78C97017-6FC3-485B-9764-EAC9E56C1D49}" type="datetimeFigureOut">
               <a:rPr lang="en-US" smtClean="0"/>
-              <a:t>11/5/2018</a:t>
+              <a:t>12/15/2018</a:t>
             </a:fld>
             <a:endParaRPr lang="en-US"/>
           </a:p>
@@ -2117,7 +2201,7 @@
           <a:p>
             <a:fld id="{78C97017-6FC3-485B-9764-EAC9E56C1D49}" type="datetimeFigureOut">
               <a:rPr lang="en-US" smtClean="0"/>
-              <a:t>11/5/2018</a:t>
+              <a:t>12/15/2018</a:t>
             </a:fld>
             <a:endParaRPr lang="en-US"/>
           </a:p>
@@ -2234,7 +2318,7 @@
           <a:p>
             <a:fld id="{78C97017-6FC3-485B-9764-EAC9E56C1D49}" type="datetimeFigureOut">
               <a:rPr lang="en-US" smtClean="0"/>
-              <a:t>11/5/2018</a:t>
+              <a:t>12/15/2018</a:t>
             </a:fld>
             <a:endParaRPr lang="en-US"/>
           </a:p>
@@ -2329,7 +2413,7 @@
           <a:p>
             <a:fld id="{78C97017-6FC3-485B-9764-EAC9E56C1D49}" type="datetimeFigureOut">
               <a:rPr lang="en-US" smtClean="0"/>
-              <a:t>11/5/2018</a:t>
+              <a:t>12/15/2018</a:t>
             </a:fld>
             <a:endParaRPr lang="en-US"/>
           </a:p>
@@ -2604,7 +2688,7 @@
           <a:p>
             <a:fld id="{78C97017-6FC3-485B-9764-EAC9E56C1D49}" type="datetimeFigureOut">
               <a:rPr lang="en-US" smtClean="0"/>
-              <a:t>11/5/2018</a:t>
+              <a:t>12/15/2018</a:t>
             </a:fld>
             <a:endParaRPr lang="en-US"/>
           </a:p>
@@ -2856,7 +2940,7 @@
           <a:p>
             <a:fld id="{78C97017-6FC3-485B-9764-EAC9E56C1D49}" type="datetimeFigureOut">
               <a:rPr lang="en-US" smtClean="0"/>
-              <a:t>11/5/2018</a:t>
+              <a:t>12/15/2018</a:t>
             </a:fld>
             <a:endParaRPr lang="en-US"/>
           </a:p>
@@ -3067,7 +3151,7 @@
           <a:p>
             <a:fld id="{78C97017-6FC3-485B-9764-EAC9E56C1D49}" type="datetimeFigureOut">
               <a:rPr lang="en-US" smtClean="0"/>
-              <a:t>11/5/2018</a:t>
+              <a:t>12/15/2018</a:t>
             </a:fld>
             <a:endParaRPr lang="en-US"/>
           </a:p>
@@ -3444,34 +3528,25 @@
       </p:grpSpPr>
       <p:sp>
         <p:nvSpPr>
-          <p:cNvPr id="4" name="Rectangle 65">
-            <a:extLst>
-              <a:ext uri="{FF2B5EF4-FFF2-40B4-BE49-F238E27FC236}">
-                <a16:creationId xmlns:a16="http://schemas.microsoft.com/office/drawing/2014/main" id="{98CCE064-5C83-467F-9CDE-7840E437A717}"/>
-              </a:ext>
-            </a:extLst>
-          </p:cNvPr>
+          <p:cNvPr id="2" name="Rectangle 62"/>
           <p:cNvSpPr/>
           <p:nvPr/>
         </p:nvSpPr>
         <p:spPr>
           <a:xfrm>
-            <a:off x="118874" y="1053717"/>
-            <a:ext cx="7819176" cy="4885456"/>
+            <a:off x="1905000" y="2209800"/>
+            <a:ext cx="1093635" cy="346760"/>
           </a:xfrm>
-          <a:prstGeom prst="roundRect">
-            <a:avLst>
-              <a:gd name="adj" fmla="val 3484"/>
-            </a:avLst>
+          <a:prstGeom prst="rect">
+            <a:avLst/>
           </a:prstGeom>
           <a:solidFill>
-            <a:schemeClr val="accent1">
-              <a:lumMod val="20000"/>
-              <a:lumOff val="80000"/>
-            </a:schemeClr>
+            <a:srgbClr val="00B050"/>
           </a:solidFill>
           <a:ln w="19050">
-            <a:noFill/>
+            <a:solidFill>
+              <a:srgbClr val="00B050"/>
+            </a:solidFill>
           </a:ln>
           <a:effectLst/>
         </p:spPr>
@@ -3490,41 +3565,343 @@
           </a:fontRef>
         </p:style>
         <p:txBody>
-          <a:bodyPr rtlCol="0" anchor="t"/>
-          <a:lstStyle/>
-          <a:p>
-            <a:r>
-              <a:rPr lang="en-US" sz="900" b="1" dirty="0">
+          <a:bodyPr rtlCol="0" anchor="ctr"/>
+          <a:lstStyle/>
+          <a:p>
+            <a:pPr algn="ctr"/>
+            <a:r>
+              <a:rPr lang="en-US" sz="1600" dirty="0">
                 <a:solidFill>
-                  <a:srgbClr val="0070C0"/>
+                  <a:schemeClr val="bg1"/>
                 </a:solidFill>
               </a:rPr>
-              <a:t>Logic</a:t>
-            </a:r>
-            <a:endParaRPr lang="en-SG" sz="900" b="1" dirty="0">
+              <a:t>:UI</a:t>
+            </a:r>
+            <a:endParaRPr lang="en-SG" sz="1600" dirty="0">
               <a:solidFill>
-                <a:srgbClr val="0070C0"/>
+                <a:schemeClr val="bg1"/>
               </a:solidFill>
             </a:endParaRPr>
           </a:p>
         </p:txBody>
       </p:sp>
-      <p:sp>
-        <p:nvSpPr>
-          <p:cNvPr id="5" name="Rectangle 62">
-            <a:extLst>
-              <a:ext uri="{FF2B5EF4-FFF2-40B4-BE49-F238E27FC236}">
-                <a16:creationId xmlns:a16="http://schemas.microsoft.com/office/drawing/2014/main" id="{345D19C5-8566-4683-94F7-61A8C21B644C}"/>
-              </a:ext>
-            </a:extLst>
-          </p:cNvPr>
+      <p:cxnSp>
+        <p:nvCxnSpPr>
+          <p:cNvPr id="5" name="Straight Connector 4"/>
+          <p:cNvCxnSpPr>
+            <a:cxnSpLocks/>
+          </p:cNvCxnSpPr>
+          <p:nvPr/>
+        </p:nvCxnSpPr>
+        <p:spPr>
+          <a:xfrm>
+            <a:off x="2422261" y="2573471"/>
+            <a:ext cx="0" cy="2236189"/>
+          </a:xfrm>
+          <a:prstGeom prst="line">
+            <a:avLst/>
+          </a:prstGeom>
+          <a:ln w="19050">
+            <a:solidFill>
+              <a:srgbClr val="00B050"/>
+            </a:solidFill>
+            <a:prstDash val="sysDash"/>
+          </a:ln>
+          <a:effectLst/>
+        </p:spPr>
+        <p:style>
+          <a:lnRef idx="1">
+            <a:schemeClr val="accent1"/>
+          </a:lnRef>
+          <a:fillRef idx="2">
+            <a:schemeClr val="accent1"/>
+          </a:fillRef>
+          <a:effectRef idx="1">
+            <a:schemeClr val="accent1"/>
+          </a:effectRef>
+          <a:fontRef idx="minor">
+            <a:schemeClr val="dk1"/>
+          </a:fontRef>
+        </p:style>
+      </p:cxnSp>
+      <p:sp>
+        <p:nvSpPr>
+          <p:cNvPr id="6" name="Rectangle 5"/>
           <p:cNvSpPr/>
           <p:nvPr/>
         </p:nvSpPr>
         <p:spPr>
           <a:xfrm>
-            <a:off x="987514" y="1222690"/>
-            <a:ext cx="1130846" cy="244664"/>
+            <a:off x="2350253" y="2924166"/>
+            <a:ext cx="152400" cy="1733094"/>
+          </a:xfrm>
+          <a:prstGeom prst="rect">
+            <a:avLst/>
+          </a:prstGeom>
+          <a:solidFill>
+            <a:srgbClr val="00B050"/>
+          </a:solidFill>
+          <a:ln>
+            <a:solidFill>
+              <a:srgbClr val="00B050"/>
+            </a:solidFill>
+          </a:ln>
+          <a:effectLst/>
+        </p:spPr>
+        <p:style>
+          <a:lnRef idx="1">
+            <a:schemeClr val="accent3"/>
+          </a:lnRef>
+          <a:fillRef idx="2">
+            <a:schemeClr val="accent3"/>
+          </a:fillRef>
+          <a:effectRef idx="1">
+            <a:schemeClr val="accent3"/>
+          </a:effectRef>
+          <a:fontRef idx="minor">
+            <a:schemeClr val="dk1"/>
+          </a:fontRef>
+        </p:style>
+        <p:txBody>
+          <a:bodyPr rtlCol="0" anchor="ctr"/>
+          <a:lstStyle/>
+          <a:p>
+            <a:pPr algn="ctr"/>
+            <a:endParaRPr lang="en-SG" sz="1400">
+              <a:solidFill>
+                <a:schemeClr val="dk1"/>
+              </a:solidFill>
+            </a:endParaRPr>
+          </a:p>
+        </p:txBody>
+      </p:sp>
+      <p:grpSp>
+        <p:nvGrpSpPr>
+          <p:cNvPr id="7" name="Actor"/>
+          <p:cNvGrpSpPr/>
+          <p:nvPr/>
+        </p:nvGrpSpPr>
+        <p:grpSpPr>
+          <a:xfrm>
+            <a:off x="910815" y="2146326"/>
+            <a:ext cx="324036" cy="573410"/>
+            <a:chOff x="3239901" y="4149080"/>
+            <a:chExt cx="648072" cy="1146820"/>
+          </a:xfrm>
+        </p:grpSpPr>
+        <p:sp>
+          <p:nvSpPr>
+            <p:cNvPr id="8" name="Flowchart: Connector 7"/>
+            <p:cNvSpPr/>
+            <p:nvPr/>
+          </p:nvSpPr>
+          <p:spPr>
+            <a:xfrm>
+              <a:off x="3419872" y="4149080"/>
+              <a:ext cx="288032" cy="288032"/>
+            </a:xfrm>
+            <a:prstGeom prst="flowChartConnector">
+              <a:avLst/>
+            </a:prstGeom>
+            <a:solidFill>
+              <a:schemeClr val="bg1">
+                <a:lumMod val="85000"/>
+              </a:schemeClr>
+            </a:solidFill>
+            <a:ln w="28575">
+              <a:solidFill>
+                <a:schemeClr val="tx1"/>
+              </a:solidFill>
+            </a:ln>
+            <a:effectLst/>
+          </p:spPr>
+          <p:style>
+            <a:lnRef idx="1">
+              <a:schemeClr val="accent4"/>
+            </a:lnRef>
+            <a:fillRef idx="2">
+              <a:schemeClr val="accent4"/>
+            </a:fillRef>
+            <a:effectRef idx="1">
+              <a:schemeClr val="accent4"/>
+            </a:effectRef>
+            <a:fontRef idx="minor">
+              <a:schemeClr val="dk1"/>
+            </a:fontRef>
+          </p:style>
+          <p:txBody>
+            <a:bodyPr rtlCol="0" anchor="ctr"/>
+            <a:lstStyle/>
+            <a:p>
+              <a:pPr algn="ctr"/>
+              <a:endParaRPr lang="en-SG"/>
+            </a:p>
+          </p:txBody>
+        </p:sp>
+        <p:cxnSp>
+          <p:nvCxnSpPr>
+            <p:cNvPr id="9" name="Straight Connector 8"/>
+            <p:cNvCxnSpPr>
+              <a:stCxn id="8" idx="4"/>
+            </p:cNvCxnSpPr>
+            <p:nvPr/>
+          </p:nvCxnSpPr>
+          <p:spPr>
+            <a:xfrm>
+              <a:off x="3563888" y="4437112"/>
+              <a:ext cx="0" cy="504056"/>
+            </a:xfrm>
+            <a:prstGeom prst="line">
+              <a:avLst/>
+            </a:prstGeom>
+            <a:ln w="28575">
+              <a:solidFill>
+                <a:schemeClr val="tx1"/>
+              </a:solidFill>
+            </a:ln>
+            <a:effectLst/>
+          </p:spPr>
+          <p:style>
+            <a:lnRef idx="1">
+              <a:schemeClr val="accent4"/>
+            </a:lnRef>
+            <a:fillRef idx="2">
+              <a:schemeClr val="accent4"/>
+            </a:fillRef>
+            <a:effectRef idx="1">
+              <a:schemeClr val="accent4"/>
+            </a:effectRef>
+            <a:fontRef idx="minor">
+              <a:schemeClr val="dk1"/>
+            </a:fontRef>
+          </p:style>
+        </p:cxnSp>
+        <p:sp>
+          <p:nvSpPr>
+            <p:cNvPr id="10" name="Freeform 9"/>
+            <p:cNvSpPr/>
+            <p:nvPr/>
+          </p:nvSpPr>
+          <p:spPr>
+            <a:xfrm>
+              <a:off x="3324225" y="4933950"/>
+              <a:ext cx="479425" cy="361950"/>
+            </a:xfrm>
+            <a:custGeom>
+              <a:avLst/>
+              <a:gdLst>
+                <a:gd name="connsiteX0" fmla="*/ 0 w 479425"/>
+                <a:gd name="connsiteY0" fmla="*/ 355600 h 361950"/>
+                <a:gd name="connsiteX1" fmla="*/ 241300 w 479425"/>
+                <a:gd name="connsiteY1" fmla="*/ 0 h 361950"/>
+                <a:gd name="connsiteX2" fmla="*/ 479425 w 479425"/>
+                <a:gd name="connsiteY2" fmla="*/ 361950 h 361950"/>
+              </a:gdLst>
+              <a:ahLst/>
+              <a:cxnLst>
+                <a:cxn ang="0">
+                  <a:pos x="connsiteX0" y="connsiteY0"/>
+                </a:cxn>
+                <a:cxn ang="0">
+                  <a:pos x="connsiteX1" y="connsiteY1"/>
+                </a:cxn>
+                <a:cxn ang="0">
+                  <a:pos x="connsiteX2" y="connsiteY2"/>
+                </a:cxn>
+              </a:cxnLst>
+              <a:rect l="l" t="t" r="r" b="b"/>
+              <a:pathLst>
+                <a:path w="479425" h="361950">
+                  <a:moveTo>
+                    <a:pt x="0" y="355600"/>
+                  </a:moveTo>
+                  <a:lnTo>
+                    <a:pt x="241300" y="0"/>
+                  </a:lnTo>
+                  <a:lnTo>
+                    <a:pt x="479425" y="361950"/>
+                  </a:lnTo>
+                </a:path>
+              </a:pathLst>
+            </a:custGeom>
+            <a:noFill/>
+            <a:ln w="28575">
+              <a:solidFill>
+                <a:schemeClr val="tx1"/>
+              </a:solidFill>
+            </a:ln>
+            <a:effectLst/>
+          </p:spPr>
+          <p:style>
+            <a:lnRef idx="1">
+              <a:schemeClr val="accent4"/>
+            </a:lnRef>
+            <a:fillRef idx="2">
+              <a:schemeClr val="accent4"/>
+            </a:fillRef>
+            <a:effectRef idx="1">
+              <a:schemeClr val="accent4"/>
+            </a:effectRef>
+            <a:fontRef idx="minor">
+              <a:schemeClr val="dk1"/>
+            </a:fontRef>
+          </p:style>
+          <p:txBody>
+            <a:bodyPr rtlCol="0" anchor="ctr"/>
+            <a:lstStyle/>
+            <a:p>
+              <a:pPr algn="ctr"/>
+              <a:endParaRPr lang="en-SG"/>
+            </a:p>
+          </p:txBody>
+        </p:sp>
+        <p:cxnSp>
+          <p:nvCxnSpPr>
+            <p:cNvPr id="11" name="Straight Connector 10"/>
+            <p:cNvCxnSpPr/>
+            <p:nvPr/>
+          </p:nvCxnSpPr>
+          <p:spPr>
+            <a:xfrm>
+              <a:off x="3239901" y="4509120"/>
+              <a:ext cx="648072" cy="0"/>
+            </a:xfrm>
+            <a:prstGeom prst="line">
+              <a:avLst/>
+            </a:prstGeom>
+            <a:ln w="28575">
+              <a:solidFill>
+                <a:schemeClr val="tx1"/>
+              </a:solidFill>
+            </a:ln>
+            <a:effectLst/>
+          </p:spPr>
+          <p:style>
+            <a:lnRef idx="1">
+              <a:schemeClr val="accent4"/>
+            </a:lnRef>
+            <a:fillRef idx="2">
+              <a:schemeClr val="accent4"/>
+            </a:fillRef>
+            <a:effectRef idx="1">
+              <a:schemeClr val="accent4"/>
+            </a:effectRef>
+            <a:fontRef idx="minor">
+              <a:schemeClr val="dk1"/>
+            </a:fontRef>
+          </p:style>
+        </p:cxnSp>
+      </p:grpSp>
+      <p:sp>
+        <p:nvSpPr>
+          <p:cNvPr id="16" name="Rectangle 62"/>
+          <p:cNvSpPr/>
+          <p:nvPr/>
+        </p:nvSpPr>
+        <p:spPr>
+          <a:xfrm>
+            <a:off x="3560206" y="2217153"/>
+            <a:ext cx="1093635" cy="346760"/>
           </a:xfrm>
           <a:prstGeom prst="rect">
             <a:avLst/>
@@ -3559,22 +3936,14 @@
           <a:p>
             <a:pPr algn="ctr"/>
             <a:r>
-              <a:rPr lang="en-US" sz="1200" dirty="0">
+              <a:rPr lang="en-US" sz="1600" dirty="0">
                 <a:solidFill>
                   <a:schemeClr val="bg1"/>
                 </a:solidFill>
               </a:rPr>
-              <a:t>:</a:t>
-            </a:r>
-            <a:r>
-              <a:rPr lang="en-US" sz="1200" dirty="0" err="1">
-                <a:solidFill>
-                  <a:schemeClr val="bg1"/>
-                </a:solidFill>
-              </a:rPr>
-              <a:t>LogicManager</a:t>
-            </a:r>
-            <a:endParaRPr lang="en-SG" sz="1200" dirty="0">
+              <a:t>:Logic</a:t>
+            </a:r>
+            <a:endParaRPr lang="en-SG" sz="1600" dirty="0">
               <a:solidFill>
                 <a:schemeClr val="bg1"/>
               </a:solidFill>
@@ -3584,22 +3953,16 @@
       </p:sp>
       <p:cxnSp>
         <p:nvCxnSpPr>
-          <p:cNvPr id="6" name="Straight Connector 5">
-            <a:extLst>
-              <a:ext uri="{FF2B5EF4-FFF2-40B4-BE49-F238E27FC236}">
-                <a16:creationId xmlns:a16="http://schemas.microsoft.com/office/drawing/2014/main" id="{9F56A76D-431A-4C92-9FED-1FD96879A1D8}"/>
-              </a:ext>
-            </a:extLst>
-          </p:cNvPr>
+          <p:cNvPr id="17" name="Straight Connector 16"/>
           <p:cNvCxnSpPr>
             <a:cxnSpLocks/>
           </p:cNvCxnSpPr>
           <p:nvPr/>
         </p:nvCxnSpPr>
         <p:spPr>
-          <a:xfrm flipH="1">
-            <a:off x="1533374" y="1482763"/>
-            <a:ext cx="1" cy="4456410"/>
+          <a:xfrm>
+            <a:off x="4107023" y="2580824"/>
+            <a:ext cx="0" cy="2232502"/>
           </a:xfrm>
           <a:prstGeom prst="line">
             <a:avLst/>
@@ -3629,20 +3992,14 @@
       </p:cxnSp>
       <p:sp>
         <p:nvSpPr>
-          <p:cNvPr id="7" name="Rectangle 6">
-            <a:extLst>
-              <a:ext uri="{FF2B5EF4-FFF2-40B4-BE49-F238E27FC236}">
-                <a16:creationId xmlns:a16="http://schemas.microsoft.com/office/drawing/2014/main" id="{19041977-3D52-4931-9C5F-324B860F2685}"/>
-              </a:ext>
-            </a:extLst>
-          </p:cNvPr>
+          <p:cNvPr id="18" name="Rectangle 17"/>
           <p:cNvSpPr/>
           <p:nvPr/>
         </p:nvSpPr>
         <p:spPr>
           <a:xfrm>
-            <a:off x="1476224" y="1780100"/>
-            <a:ext cx="117313" cy="4097465"/>
+            <a:off x="4035015" y="3039017"/>
+            <a:ext cx="152376" cy="1477495"/>
           </a:xfrm>
           <a:prstGeom prst="rect">
             <a:avLst/>
@@ -3676,19 +4033,76 @@
           <a:lstStyle/>
           <a:p>
             <a:pPr algn="ctr"/>
-            <a:endParaRPr lang="en-SG" sz="1050"/>
+            <a:endParaRPr lang="en-SG" sz="1400">
+              <a:solidFill>
+                <a:schemeClr val="dk1"/>
+              </a:solidFill>
+            </a:endParaRPr>
+          </a:p>
+        </p:txBody>
+      </p:sp>
+      <p:sp>
+        <p:nvSpPr>
+          <p:cNvPr id="19" name="Rectangle 62"/>
+          <p:cNvSpPr/>
+          <p:nvPr/>
+        </p:nvSpPr>
+        <p:spPr>
+          <a:xfrm>
+            <a:off x="5215412" y="2213466"/>
+            <a:ext cx="1093635" cy="346760"/>
+          </a:xfrm>
+          <a:prstGeom prst="rect">
+            <a:avLst/>
+          </a:prstGeom>
+          <a:solidFill>
+            <a:srgbClr val="7030A0"/>
+          </a:solidFill>
+          <a:ln w="19050">
+            <a:solidFill>
+              <a:srgbClr val="7030A0"/>
+            </a:solidFill>
+          </a:ln>
+          <a:effectLst/>
+        </p:spPr>
+        <p:style>
+          <a:lnRef idx="1">
+            <a:schemeClr val="accent2"/>
+          </a:lnRef>
+          <a:fillRef idx="2">
+            <a:schemeClr val="accent2"/>
+          </a:fillRef>
+          <a:effectRef idx="1">
+            <a:schemeClr val="accent2"/>
+          </a:effectRef>
+          <a:fontRef idx="minor">
+            <a:schemeClr val="dk1"/>
+          </a:fontRef>
+        </p:style>
+        <p:txBody>
+          <a:bodyPr rtlCol="0" anchor="ctr"/>
+          <a:lstStyle/>
+          <a:p>
+            <a:pPr algn="ctr"/>
+            <a:r>
+              <a:rPr lang="en-US" sz="1600" dirty="0">
+                <a:solidFill>
+                  <a:schemeClr val="bg1"/>
+                </a:solidFill>
+              </a:rPr>
+              <a:t>:Model</a:t>
+            </a:r>
+            <a:endParaRPr lang="en-SG" sz="1600" dirty="0">
+              <a:solidFill>
+                <a:schemeClr val="bg1"/>
+              </a:solidFill>
+            </a:endParaRPr>
           </a:p>
         </p:txBody>
       </p:sp>
       <p:cxnSp>
         <p:nvCxnSpPr>
-          <p:cNvPr id="8" name="Straight Arrow Connector 7">
-            <a:extLst>
-              <a:ext uri="{FF2B5EF4-FFF2-40B4-BE49-F238E27FC236}">
-                <a16:creationId xmlns:a16="http://schemas.microsoft.com/office/drawing/2014/main" id="{94C7B4D7-EFA5-4A55-B1A9-826932C6DA83}"/>
-              </a:ext>
-            </a:extLst>
-          </p:cNvPr>
+          <p:cNvPr id="20" name="Straight Connector 19"/>
           <p:cNvCxnSpPr>
             <a:cxnSpLocks/>
           </p:cNvCxnSpPr>
@@ -3696,8 +4110,166 @@
         </p:nvCxnSpPr>
         <p:spPr>
           <a:xfrm>
-            <a:off x="979449" y="1792521"/>
-            <a:ext cx="501893" cy="1"/>
+            <a:off x="5762229" y="2577137"/>
+            <a:ext cx="0" cy="2236189"/>
+          </a:xfrm>
+          <a:prstGeom prst="line">
+            <a:avLst/>
+          </a:prstGeom>
+          <a:ln w="19050">
+            <a:solidFill>
+              <a:srgbClr val="7030A0"/>
+            </a:solidFill>
+            <a:prstDash val="sysDash"/>
+          </a:ln>
+          <a:effectLst/>
+        </p:spPr>
+        <p:style>
+          <a:lnRef idx="1">
+            <a:schemeClr val="accent1"/>
+          </a:lnRef>
+          <a:fillRef idx="2">
+            <a:schemeClr val="accent1"/>
+          </a:fillRef>
+          <a:effectRef idx="1">
+            <a:schemeClr val="accent1"/>
+          </a:effectRef>
+          <a:fontRef idx="minor">
+            <a:schemeClr val="dk1"/>
+          </a:fontRef>
+        </p:style>
+      </p:cxnSp>
+      <p:sp>
+        <p:nvSpPr>
+          <p:cNvPr id="21" name="Rectangle 20"/>
+          <p:cNvSpPr/>
+          <p:nvPr/>
+        </p:nvSpPr>
+        <p:spPr>
+          <a:xfrm>
+            <a:off x="5690221" y="3143948"/>
+            <a:ext cx="142006" cy="476510"/>
+          </a:xfrm>
+          <a:prstGeom prst="rect">
+            <a:avLst/>
+          </a:prstGeom>
+          <a:solidFill>
+            <a:srgbClr val="7030A0"/>
+          </a:solidFill>
+          <a:ln>
+            <a:solidFill>
+              <a:srgbClr val="7030A0"/>
+            </a:solidFill>
+          </a:ln>
+          <a:effectLst/>
+        </p:spPr>
+        <p:style>
+          <a:lnRef idx="1">
+            <a:schemeClr val="accent3"/>
+          </a:lnRef>
+          <a:fillRef idx="2">
+            <a:schemeClr val="accent3"/>
+          </a:fillRef>
+          <a:effectRef idx="1">
+            <a:schemeClr val="accent3"/>
+          </a:effectRef>
+          <a:fontRef idx="minor">
+            <a:schemeClr val="dk1"/>
+          </a:fontRef>
+        </p:style>
+        <p:txBody>
+          <a:bodyPr rtlCol="0" anchor="ctr"/>
+          <a:lstStyle/>
+          <a:p>
+            <a:pPr algn="ctr"/>
+            <a:endParaRPr lang="en-SG" sz="1400">
+              <a:solidFill>
+                <a:schemeClr val="dk1"/>
+              </a:solidFill>
+            </a:endParaRPr>
+          </a:p>
+        </p:txBody>
+      </p:sp>
+      <p:cxnSp>
+        <p:nvCxnSpPr>
+          <p:cNvPr id="23" name="Straight Arrow Connector 22"/>
+          <p:cNvCxnSpPr>
+            <a:cxnSpLocks/>
+          </p:cNvCxnSpPr>
+          <p:nvPr/>
+        </p:nvCxnSpPr>
+        <p:spPr>
+          <a:xfrm flipV="1">
+            <a:off x="1263008" y="2931519"/>
+            <a:ext cx="1095607" cy="1"/>
+          </a:xfrm>
+          <a:prstGeom prst="straightConnector1">
+            <a:avLst/>
+          </a:prstGeom>
+          <a:ln w="19050">
+            <a:solidFill>
+              <a:schemeClr val="tx1"/>
+            </a:solidFill>
+            <a:tailEnd type="arrow"/>
+          </a:ln>
+        </p:spPr>
+        <p:style>
+          <a:lnRef idx="1">
+            <a:schemeClr val="accent1"/>
+          </a:lnRef>
+          <a:fillRef idx="0">
+            <a:schemeClr val="accent1"/>
+          </a:fillRef>
+          <a:effectRef idx="0">
+            <a:schemeClr val="accent1"/>
+          </a:effectRef>
+          <a:fontRef idx="minor">
+            <a:schemeClr val="tx1"/>
+          </a:fontRef>
+        </p:style>
+      </p:cxnSp>
+      <p:sp>
+        <p:nvSpPr>
+          <p:cNvPr id="24" name="TextBox 23"/>
+          <p:cNvSpPr txBox="1"/>
+          <p:nvPr/>
+        </p:nvSpPr>
+        <p:spPr>
+          <a:xfrm>
+            <a:off x="1345305" y="2989204"/>
+            <a:ext cx="860170" cy="215444"/>
+          </a:xfrm>
+          <a:prstGeom prst="rect">
+            <a:avLst/>
+          </a:prstGeom>
+          <a:noFill/>
+        </p:spPr>
+        <p:txBody>
+          <a:bodyPr wrap="square" lIns="0" tIns="0" rIns="0" bIns="0" rtlCol="0">
+            <a:spAutoFit/>
+          </a:bodyPr>
+          <a:lstStyle/>
+          <a:p>
+            <a:pPr algn="ctr"/>
+            <a:r>
+              <a:rPr lang="en-US" sz="1400" dirty="0"/>
+              <a:t>delete 1</a:t>
+            </a:r>
+          </a:p>
+        </p:txBody>
+      </p:sp>
+      <p:cxnSp>
+        <p:nvCxnSpPr>
+          <p:cNvPr id="25" name="Straight Arrow Connector 24"/>
+          <p:cNvCxnSpPr>
+            <a:cxnSpLocks/>
+          </p:cNvCxnSpPr>
+          <p:nvPr/>
+        </p:nvCxnSpPr>
+        <p:spPr>
+          <a:xfrm>
+            <a:off x="2518129" y="3039017"/>
+            <a:ext cx="1516886" cy="1"/>
           </a:xfrm>
           <a:prstGeom prst="straightConnector1">
             <a:avLst/>
@@ -3726,20 +4298,14 @@
       </p:cxnSp>
       <p:sp>
         <p:nvSpPr>
-          <p:cNvPr id="9" name="TextBox 8">
-            <a:extLst>
-              <a:ext uri="{FF2B5EF4-FFF2-40B4-BE49-F238E27FC236}">
-                <a16:creationId xmlns:a16="http://schemas.microsoft.com/office/drawing/2014/main" id="{B1BC8ABC-CCAC-4639-AC0F-B23818156C88}"/>
-              </a:ext>
-            </a:extLst>
-          </p:cNvPr>
+          <p:cNvPr id="26" name="TextBox 25"/>
           <p:cNvSpPr txBox="1"/>
           <p:nvPr/>
         </p:nvSpPr>
         <p:spPr>
           <a:xfrm>
-            <a:off x="-10047" y="1508214"/>
-            <a:ext cx="1452612" cy="138499"/>
+            <a:off x="2552219" y="3082866"/>
+            <a:ext cx="1424846" cy="215444"/>
           </a:xfrm>
           <a:prstGeom prst="rect">
             <a:avLst/>
@@ -3754,342 +4320,28 @@
           <a:p>
             <a:pPr algn="ctr"/>
             <a:r>
-              <a:rPr lang="en-US" sz="900" dirty="0">
+              <a:rPr lang="en-US" sz="1400" dirty="0">
                 <a:solidFill>
                   <a:srgbClr val="0070C0"/>
                 </a:solidFill>
               </a:rPr>
-              <a:t>execute(“/order delete 1”)</a:t>
-            </a:r>
-          </a:p>
-        </p:txBody>
-      </p:sp>
-      <p:sp>
-        <p:nvSpPr>
-          <p:cNvPr id="10" name="Rectangle 62">
-            <a:extLst>
-              <a:ext uri="{FF2B5EF4-FFF2-40B4-BE49-F238E27FC236}">
-                <a16:creationId xmlns:a16="http://schemas.microsoft.com/office/drawing/2014/main" id="{31AA61FA-7A51-43F7-A9B5-8A44B9F981C1}"/>
-              </a:ext>
-            </a:extLst>
-          </p:cNvPr>
-          <p:cNvSpPr/>
-          <p:nvPr/>
-        </p:nvSpPr>
-        <p:spPr>
-          <a:xfrm>
-            <a:off x="2271556" y="1131999"/>
-            <a:ext cx="985461" cy="329984"/>
-          </a:xfrm>
-          <a:prstGeom prst="rect">
-            <a:avLst/>
-          </a:prstGeom>
-          <a:solidFill>
-            <a:srgbClr val="0070C0"/>
-          </a:solidFill>
-          <a:ln w="19050">
-            <a:solidFill>
-              <a:srgbClr val="0070C0"/>
-            </a:solidFill>
-          </a:ln>
-          <a:effectLst/>
-        </p:spPr>
-        <p:style>
-          <a:lnRef idx="1">
-            <a:schemeClr val="accent2"/>
-          </a:lnRef>
-          <a:fillRef idx="2">
-            <a:schemeClr val="accent2"/>
-          </a:fillRef>
-          <a:effectRef idx="1">
-            <a:schemeClr val="accent2"/>
-          </a:effectRef>
-          <a:fontRef idx="minor">
-            <a:schemeClr val="dk1"/>
-          </a:fontRef>
-        </p:style>
-        <p:txBody>
-          <a:bodyPr rtlCol="0" anchor="ctr"/>
-          <a:lstStyle/>
-          <a:p>
-            <a:pPr algn="ctr"/>
-            <a:r>
-              <a:rPr lang="en-US" sz="1200" dirty="0">
-                <a:solidFill>
-                  <a:schemeClr val="bg1"/>
-                </a:solidFill>
-              </a:rPr>
-              <a:t>:Order</a:t>
-            </a:r>
-          </a:p>
-          <a:p>
-            <a:pPr algn="ctr"/>
-            <a:r>
-              <a:rPr lang="en-US" sz="1200" dirty="0" err="1">
-                <a:solidFill>
-                  <a:schemeClr val="bg1"/>
-                </a:solidFill>
-              </a:rPr>
-              <a:t>BookParser</a:t>
-            </a:r>
-            <a:endParaRPr lang="en-SG" sz="1200" dirty="0">
-              <a:solidFill>
-                <a:schemeClr val="bg1"/>
-              </a:solidFill>
-            </a:endParaRPr>
-          </a:p>
-        </p:txBody>
-      </p:sp>
-      <p:sp>
-        <p:nvSpPr>
-          <p:cNvPr id="11" name="Rectangle 62">
-            <a:extLst>
-              <a:ext uri="{FF2B5EF4-FFF2-40B4-BE49-F238E27FC236}">
-                <a16:creationId xmlns:a16="http://schemas.microsoft.com/office/drawing/2014/main" id="{9B056AE5-87CF-4594-BF4F-8A05700B41F9}"/>
-              </a:ext>
-            </a:extLst>
-          </p:cNvPr>
-          <p:cNvSpPr/>
-          <p:nvPr/>
-        </p:nvSpPr>
-        <p:spPr>
-          <a:xfrm>
-            <a:off x="3277260" y="2043406"/>
-            <a:ext cx="1241824" cy="329984"/>
-          </a:xfrm>
-          <a:prstGeom prst="rect">
-            <a:avLst/>
-          </a:prstGeom>
-          <a:solidFill>
-            <a:srgbClr val="0070C0"/>
-          </a:solidFill>
-          <a:ln w="19050">
-            <a:solidFill>
-              <a:srgbClr val="0070C0"/>
-            </a:solidFill>
-          </a:ln>
-          <a:effectLst/>
-        </p:spPr>
-        <p:style>
-          <a:lnRef idx="1">
-            <a:schemeClr val="accent2"/>
-          </a:lnRef>
-          <a:fillRef idx="2">
-            <a:schemeClr val="accent2"/>
-          </a:fillRef>
-          <a:effectRef idx="1">
-            <a:schemeClr val="accent2"/>
-          </a:effectRef>
-          <a:fontRef idx="minor">
-            <a:schemeClr val="dk1"/>
-          </a:fontRef>
-        </p:style>
-        <p:txBody>
-          <a:bodyPr rtlCol="0" anchor="ctr"/>
-          <a:lstStyle/>
-          <a:p>
-            <a:pPr algn="ctr"/>
-            <a:r>
-              <a:rPr lang="en-US" sz="1200" dirty="0">
-                <a:solidFill>
-                  <a:schemeClr val="bg1"/>
-                </a:solidFill>
-              </a:rPr>
-              <a:t>:Order</a:t>
-            </a:r>
-          </a:p>
-          <a:p>
-            <a:pPr algn="ctr"/>
-            <a:r>
-              <a:rPr lang="en-US" sz="1200" dirty="0" err="1">
-                <a:solidFill>
-                  <a:schemeClr val="bg1"/>
-                </a:solidFill>
-              </a:rPr>
-              <a:t>CommandParser</a:t>
-            </a:r>
-            <a:endParaRPr lang="en-SG" sz="1200" dirty="0">
-              <a:solidFill>
-                <a:schemeClr val="bg1"/>
-              </a:solidFill>
-            </a:endParaRPr>
+              <a:t>execute(“delete 1”)</a:t>
+            </a:r>
           </a:p>
         </p:txBody>
       </p:sp>
       <p:cxnSp>
         <p:nvCxnSpPr>
-          <p:cNvPr id="12" name="Straight Connector 11">
-            <a:extLst>
-              <a:ext uri="{FF2B5EF4-FFF2-40B4-BE49-F238E27FC236}">
-                <a16:creationId xmlns:a16="http://schemas.microsoft.com/office/drawing/2014/main" id="{273FB02C-D3E7-4E5E-B31A-C1A34489A85E}"/>
-              </a:ext>
-            </a:extLst>
-          </p:cNvPr>
+          <p:cNvPr id="28" name="Straight Arrow Connector 27"/>
           <p:cNvCxnSpPr>
             <a:cxnSpLocks/>
           </p:cNvCxnSpPr>
           <p:nvPr/>
         </p:nvCxnSpPr>
         <p:spPr>
-          <a:xfrm>
-            <a:off x="2728757" y="1482762"/>
-            <a:ext cx="6960" cy="2937194"/>
-          </a:xfrm>
-          <a:prstGeom prst="line">
-            <a:avLst/>
-          </a:prstGeom>
-          <a:ln w="19050">
-            <a:solidFill>
-              <a:srgbClr val="0070C0"/>
-            </a:solidFill>
-            <a:prstDash val="sysDash"/>
-          </a:ln>
-          <a:effectLst/>
-        </p:spPr>
-        <p:style>
-          <a:lnRef idx="1">
-            <a:schemeClr val="accent1"/>
-          </a:lnRef>
-          <a:fillRef idx="2">
-            <a:schemeClr val="accent1"/>
-          </a:fillRef>
-          <a:effectRef idx="1">
-            <a:schemeClr val="accent1"/>
-          </a:effectRef>
-          <a:fontRef idx="minor">
-            <a:schemeClr val="dk1"/>
-          </a:fontRef>
-        </p:style>
-      </p:cxnSp>
-      <p:sp>
-        <p:nvSpPr>
-          <p:cNvPr id="13" name="Rectangle 12">
-            <a:extLst>
-              <a:ext uri="{FF2B5EF4-FFF2-40B4-BE49-F238E27FC236}">
-                <a16:creationId xmlns:a16="http://schemas.microsoft.com/office/drawing/2014/main" id="{C0C58F27-A2C9-4EE4-B30B-C4888A5F4F8D}"/>
-              </a:ext>
-            </a:extLst>
-          </p:cNvPr>
-          <p:cNvSpPr/>
-          <p:nvPr/>
-        </p:nvSpPr>
-        <p:spPr>
-          <a:xfrm>
-            <a:off x="2675760" y="2068022"/>
-            <a:ext cx="98910" cy="2269299"/>
-          </a:xfrm>
-          <a:prstGeom prst="rect">
-            <a:avLst/>
-          </a:prstGeom>
-          <a:solidFill>
-            <a:srgbClr val="0070C0"/>
-          </a:solidFill>
-          <a:ln>
-            <a:solidFill>
-              <a:srgbClr val="0070C0"/>
-            </a:solidFill>
-          </a:ln>
-          <a:effectLst/>
-        </p:spPr>
-        <p:style>
-          <a:lnRef idx="1">
-            <a:schemeClr val="accent3"/>
-          </a:lnRef>
-          <a:fillRef idx="2">
-            <a:schemeClr val="accent3"/>
-          </a:fillRef>
-          <a:effectRef idx="1">
-            <a:schemeClr val="accent3"/>
-          </a:effectRef>
-          <a:fontRef idx="minor">
-            <a:schemeClr val="dk1"/>
-          </a:fontRef>
-        </p:style>
-        <p:txBody>
-          <a:bodyPr rtlCol="0" anchor="ctr"/>
-          <a:lstStyle/>
-          <a:p>
-            <a:pPr algn="ctr"/>
-            <a:endParaRPr lang="en-SG" sz="1050"/>
-          </a:p>
-        </p:txBody>
-      </p:sp>
-      <p:sp>
-        <p:nvSpPr>
-          <p:cNvPr id="14" name="TextBox 13">
-            <a:extLst>
-              <a:ext uri="{FF2B5EF4-FFF2-40B4-BE49-F238E27FC236}">
-                <a16:creationId xmlns:a16="http://schemas.microsoft.com/office/drawing/2014/main" id="{142D2D79-CE65-4638-B7DE-3D35CB68E376}"/>
-              </a:ext>
-            </a:extLst>
-          </p:cNvPr>
-          <p:cNvSpPr txBox="1"/>
-          <p:nvPr/>
-        </p:nvSpPr>
-        <p:spPr>
-          <a:xfrm>
-            <a:off x="1720758" y="1730328"/>
-            <a:ext cx="985461" cy="276999"/>
-          </a:xfrm>
-          <a:prstGeom prst="rect">
-            <a:avLst/>
-          </a:prstGeom>
-          <a:noFill/>
-        </p:spPr>
-        <p:txBody>
-          <a:bodyPr wrap="square" lIns="0" tIns="0" rIns="0" bIns="0" rtlCol="0">
-            <a:spAutoFit/>
-          </a:bodyPr>
-          <a:lstStyle>
-            <a:defPPr>
-              <a:defRPr lang="en-US"/>
-            </a:defPPr>
-            <a:lvl1pPr algn="r">
-              <a:defRPr sz="1400">
-                <a:solidFill>
-                  <a:srgbClr val="0070C0"/>
-                </a:solidFill>
-              </a:defRPr>
-            </a:lvl1pPr>
-          </a:lstStyle>
-          <a:p>
-            <a:pPr algn="l"/>
-            <a:r>
-              <a:rPr lang="en-US" sz="900" dirty="0" err="1"/>
-              <a:t>parseCommand</a:t>
-            </a:r>
-            <a:r>
-              <a:rPr lang="en-US" sz="900" dirty="0"/>
-              <a:t>(“</a:t>
-            </a:r>
-          </a:p>
-          <a:p>
-            <a:pPr algn="l"/>
-            <a:r>
-              <a:rPr lang="en-US" sz="900" dirty="0"/>
-              <a:t>/order delete 1”)</a:t>
-            </a:r>
-          </a:p>
-        </p:txBody>
-      </p:sp>
-      <p:cxnSp>
-        <p:nvCxnSpPr>
-          <p:cNvPr id="15" name="Straight Arrow Connector 14">
-            <a:extLst>
-              <a:ext uri="{FF2B5EF4-FFF2-40B4-BE49-F238E27FC236}">
-                <a16:creationId xmlns:a16="http://schemas.microsoft.com/office/drawing/2014/main" id="{5CC99A7E-21F0-4424-A81F-61762B3397B4}"/>
-              </a:ext>
-            </a:extLst>
-          </p:cNvPr>
-          <p:cNvCxnSpPr>
-            <a:cxnSpLocks/>
-          </p:cNvCxnSpPr>
-          <p:nvPr/>
-        </p:nvCxnSpPr>
-        <p:spPr>
-          <a:xfrm>
-            <a:off x="1590523" y="2068019"/>
-            <a:ext cx="1085237" cy="0"/>
+          <a:xfrm flipV="1">
+            <a:off x="4179031" y="3143948"/>
+            <a:ext cx="1532384" cy="1"/>
           </a:xfrm>
           <a:prstGeom prst="straightConnector1">
             <a:avLst/>
@@ -4116,15 +4368,51 @@
           </a:fontRef>
         </p:style>
       </p:cxnSp>
+      <p:sp>
+        <p:nvSpPr>
+          <p:cNvPr id="29" name="TextBox 28"/>
+          <p:cNvSpPr txBox="1"/>
+          <p:nvPr/>
+        </p:nvSpPr>
+        <p:spPr>
+          <a:xfrm>
+            <a:off x="4371378" y="3150453"/>
+            <a:ext cx="1228707" cy="215444"/>
+          </a:xfrm>
+          <a:prstGeom prst="rect">
+            <a:avLst/>
+          </a:prstGeom>
+          <a:noFill/>
+        </p:spPr>
+        <p:txBody>
+          <a:bodyPr wrap="square" lIns="0" tIns="0" rIns="0" bIns="0" rtlCol="0">
+            <a:spAutoFit/>
+          </a:bodyPr>
+          <a:lstStyle/>
+          <a:p>
+            <a:pPr algn="ctr"/>
+            <a:r>
+              <a:rPr lang="en-US" sz="1400" dirty="0" err="1">
+                <a:solidFill>
+                  <a:srgbClr val="7030A0"/>
+                </a:solidFill>
+              </a:rPr>
+              <a:t>deletePerson</a:t>
+            </a:r>
+            <a:r>
+              <a:rPr lang="en-US" sz="1400" dirty="0">
+                <a:solidFill>
+                  <a:srgbClr val="7030A0"/>
+                </a:solidFill>
+              </a:rPr>
+              <a:t>(p)</a:t>
+            </a:r>
+          </a:p>
+        </p:txBody>
+      </p:sp>
       <p:cxnSp>
         <p:nvCxnSpPr>
-          <p:cNvPr id="18" name="Straight Arrow Connector 17">
-            <a:extLst>
-              <a:ext uri="{FF2B5EF4-FFF2-40B4-BE49-F238E27FC236}">
-                <a16:creationId xmlns:a16="http://schemas.microsoft.com/office/drawing/2014/main" id="{908038B7-395D-41CE-B4C5-BAFB656D01FC}"/>
-              </a:ext>
-            </a:extLst>
-          </p:cNvPr>
+          <p:cNvPr id="34" name="Straight Arrow Connector 33"/>
           <p:cNvCxnSpPr>
             <a:cxnSpLocks/>
           </p:cNvCxnSpPr>
@@ -4132,158 +4420,15 @@
         </p:nvCxnSpPr>
         <p:spPr>
           <a:xfrm>
-            <a:off x="2774584" y="2204016"/>
-            <a:ext cx="487438" cy="0"/>
+            <a:off x="4157837" y="3594126"/>
+            <a:ext cx="1532384" cy="0"/>
           </a:xfrm>
           <a:prstGeom prst="straightConnector1">
             <a:avLst/>
           </a:prstGeom>
           <a:ln w="19050">
             <a:solidFill>
-              <a:srgbClr val="0070C0"/>
-            </a:solidFill>
-            <a:tailEnd type="arrow"/>
-          </a:ln>
-        </p:spPr>
-        <p:style>
-          <a:lnRef idx="1">
-            <a:schemeClr val="accent1"/>
-          </a:lnRef>
-          <a:fillRef idx="0">
-            <a:schemeClr val="accent1"/>
-          </a:fillRef>
-          <a:effectRef idx="0">
-            <a:schemeClr val="accent1"/>
-          </a:effectRef>
-          <a:fontRef idx="minor">
-            <a:schemeClr val="tx1"/>
-          </a:fontRef>
-        </p:style>
-      </p:cxnSp>
-      <p:cxnSp>
-        <p:nvCxnSpPr>
-          <p:cNvPr id="19" name="Straight Connector 18">
-            <a:extLst>
-              <a:ext uri="{FF2B5EF4-FFF2-40B4-BE49-F238E27FC236}">
-                <a16:creationId xmlns:a16="http://schemas.microsoft.com/office/drawing/2014/main" id="{85644BD7-3D1A-4DE6-A9D3-0937C60DBF17}"/>
-              </a:ext>
-            </a:extLst>
-          </p:cNvPr>
-          <p:cNvCxnSpPr>
-            <a:cxnSpLocks/>
-          </p:cNvCxnSpPr>
-          <p:nvPr/>
-        </p:nvCxnSpPr>
-        <p:spPr>
-          <a:xfrm>
-            <a:off x="3885084" y="2379399"/>
-            <a:ext cx="1" cy="1938791"/>
-          </a:xfrm>
-          <a:prstGeom prst="line">
-            <a:avLst/>
-          </a:prstGeom>
-          <a:ln w="19050">
-            <a:solidFill>
-              <a:srgbClr val="0070C0"/>
-            </a:solidFill>
-            <a:prstDash val="sysDash"/>
-          </a:ln>
-          <a:effectLst/>
-        </p:spPr>
-        <p:style>
-          <a:lnRef idx="1">
-            <a:schemeClr val="accent1"/>
-          </a:lnRef>
-          <a:fillRef idx="2">
-            <a:schemeClr val="accent1"/>
-          </a:fillRef>
-          <a:effectRef idx="1">
-            <a:schemeClr val="accent1"/>
-          </a:effectRef>
-          <a:fontRef idx="minor">
-            <a:schemeClr val="dk1"/>
-          </a:fontRef>
-        </p:style>
-      </p:cxnSp>
-      <p:sp>
-        <p:nvSpPr>
-          <p:cNvPr id="22" name="Rectangle 21">
-            <a:extLst>
-              <a:ext uri="{FF2B5EF4-FFF2-40B4-BE49-F238E27FC236}">
-                <a16:creationId xmlns:a16="http://schemas.microsoft.com/office/drawing/2014/main" id="{0293D330-125B-4FAF-AB65-EB7A39B6B77F}"/>
-              </a:ext>
-            </a:extLst>
-          </p:cNvPr>
-          <p:cNvSpPr/>
-          <p:nvPr/>
-        </p:nvSpPr>
-        <p:spPr>
-          <a:xfrm>
-            <a:off x="3827183" y="2376266"/>
-            <a:ext cx="108936" cy="116325"/>
-          </a:xfrm>
-          <a:prstGeom prst="rect">
-            <a:avLst/>
-          </a:prstGeom>
-          <a:solidFill>
-            <a:srgbClr val="0070C0"/>
-          </a:solidFill>
-          <a:ln>
-            <a:solidFill>
-              <a:srgbClr val="0070C0"/>
-            </a:solidFill>
-          </a:ln>
-          <a:effectLst/>
-        </p:spPr>
-        <p:style>
-          <a:lnRef idx="1">
-            <a:schemeClr val="accent3"/>
-          </a:lnRef>
-          <a:fillRef idx="2">
-            <a:schemeClr val="accent3"/>
-          </a:fillRef>
-          <a:effectRef idx="1">
-            <a:schemeClr val="accent3"/>
-          </a:effectRef>
-          <a:fontRef idx="minor">
-            <a:schemeClr val="dk1"/>
-          </a:fontRef>
-        </p:style>
-        <p:txBody>
-          <a:bodyPr rtlCol="0" anchor="ctr"/>
-          <a:lstStyle/>
-          <a:p>
-            <a:pPr algn="ctr"/>
-            <a:endParaRPr lang="en-SG" sz="1050"/>
-          </a:p>
-        </p:txBody>
-      </p:sp>
-      <p:cxnSp>
-        <p:nvCxnSpPr>
-          <p:cNvPr id="23" name="Straight Arrow Connector 22">
-            <a:extLst>
-              <a:ext uri="{FF2B5EF4-FFF2-40B4-BE49-F238E27FC236}">
-                <a16:creationId xmlns:a16="http://schemas.microsoft.com/office/drawing/2014/main" id="{45E9583B-A536-47D7-94FB-F6EDE80907CD}"/>
-              </a:ext>
-            </a:extLst>
-          </p:cNvPr>
-          <p:cNvCxnSpPr>
-            <a:cxnSpLocks/>
-            <a:endCxn id="22" idx="2"/>
-          </p:cNvCxnSpPr>
-          <p:nvPr/>
-        </p:nvCxnSpPr>
-        <p:spPr>
-          <a:xfrm>
-            <a:off x="2791557" y="2490382"/>
-            <a:ext cx="1090094" cy="2210"/>
-          </a:xfrm>
-          <a:prstGeom prst="straightConnector1">
-            <a:avLst/>
-          </a:prstGeom>
-          <a:ln w="19050">
-            <a:solidFill>
-              <a:srgbClr val="0070C0"/>
+              <a:srgbClr val="7030A0"/>
             </a:solidFill>
             <a:prstDash val="sysDash"/>
             <a:headEnd type="arrow" w="med" len="med"/>
@@ -4305,62 +4450,9 @@
           </a:fontRef>
         </p:style>
       </p:cxnSp>
-      <p:sp>
-        <p:nvSpPr>
-          <p:cNvPr id="27" name="TextBox 26">
-            <a:extLst>
-              <a:ext uri="{FF2B5EF4-FFF2-40B4-BE49-F238E27FC236}">
-                <a16:creationId xmlns:a16="http://schemas.microsoft.com/office/drawing/2014/main" id="{FF6ED2BA-51F9-4D5D-8896-D5C980639241}"/>
-              </a:ext>
-            </a:extLst>
-          </p:cNvPr>
-          <p:cNvSpPr txBox="1"/>
-          <p:nvPr/>
-        </p:nvSpPr>
-        <p:spPr>
-          <a:xfrm>
-            <a:off x="2837572" y="2587915"/>
-            <a:ext cx="981770" cy="138499"/>
-          </a:xfrm>
-          <a:prstGeom prst="rect">
-            <a:avLst/>
-          </a:prstGeom>
-          <a:noFill/>
-        </p:spPr>
-        <p:txBody>
-          <a:bodyPr wrap="square" lIns="0" tIns="0" rIns="0" bIns="0" rtlCol="0">
-            <a:spAutoFit/>
-          </a:bodyPr>
-          <a:lstStyle>
-            <a:defPPr>
-              <a:defRPr lang="en-US"/>
-            </a:defPPr>
-            <a:lvl1pPr algn="r">
-              <a:defRPr sz="1400">
-                <a:solidFill>
-                  <a:srgbClr val="0070C0"/>
-                </a:solidFill>
-              </a:defRPr>
-            </a:lvl1pPr>
-          </a:lstStyle>
-          <a:p>
-            <a:pPr algn="ctr"/>
-            <a:r>
-              <a:rPr lang="en-US" sz="900" dirty="0"/>
-              <a:t>parse(“delete 1”)</a:t>
-            </a:r>
-          </a:p>
-        </p:txBody>
-      </p:sp>
       <p:cxnSp>
         <p:nvCxnSpPr>
-          <p:cNvPr id="28" name="Straight Arrow Connector 27">
-            <a:extLst>
-              <a:ext uri="{FF2B5EF4-FFF2-40B4-BE49-F238E27FC236}">
-                <a16:creationId xmlns:a16="http://schemas.microsoft.com/office/drawing/2014/main" id="{C21AD779-3A63-44C7-A3D2-FA597E60F5A8}"/>
-              </a:ext>
-            </a:extLst>
-          </p:cNvPr>
+          <p:cNvPr id="35" name="Straight Arrow Connector 34"/>
           <p:cNvCxnSpPr>
             <a:cxnSpLocks/>
           </p:cNvCxnSpPr>
@@ -4368,747 +4460,8 @@
         </p:nvCxnSpPr>
         <p:spPr>
           <a:xfrm>
-            <a:off x="2798214" y="2879858"/>
-            <a:ext cx="1021128" cy="0"/>
-          </a:xfrm>
-          <a:prstGeom prst="straightConnector1">
-            <a:avLst/>
-          </a:prstGeom>
-          <a:ln w="19050">
-            <a:solidFill>
-              <a:srgbClr val="0070C0"/>
-            </a:solidFill>
-            <a:tailEnd type="arrow"/>
-          </a:ln>
-        </p:spPr>
-        <p:style>
-          <a:lnRef idx="1">
-            <a:schemeClr val="accent1"/>
-          </a:lnRef>
-          <a:fillRef idx="0">
-            <a:schemeClr val="accent1"/>
-          </a:fillRef>
-          <a:effectRef idx="0">
-            <a:schemeClr val="accent1"/>
-          </a:effectRef>
-          <a:fontRef idx="minor">
-            <a:schemeClr val="tx1"/>
-          </a:fontRef>
-        </p:style>
-      </p:cxnSp>
-      <p:sp>
-        <p:nvSpPr>
-          <p:cNvPr id="30" name="Rectangle 29">
-            <a:extLst>
-              <a:ext uri="{FF2B5EF4-FFF2-40B4-BE49-F238E27FC236}">
-                <a16:creationId xmlns:a16="http://schemas.microsoft.com/office/drawing/2014/main" id="{43AC3A40-8D26-4A80-87CE-EA7C4BB1804E}"/>
-              </a:ext>
-            </a:extLst>
-          </p:cNvPr>
-          <p:cNvSpPr/>
-          <p:nvPr/>
-        </p:nvSpPr>
-        <p:spPr>
-          <a:xfrm>
-            <a:off x="3826805" y="2879102"/>
-            <a:ext cx="118445" cy="1384428"/>
-          </a:xfrm>
-          <a:prstGeom prst="rect">
-            <a:avLst/>
-          </a:prstGeom>
-          <a:solidFill>
-            <a:srgbClr val="0070C0"/>
-          </a:solidFill>
-          <a:ln>
-            <a:solidFill>
-              <a:srgbClr val="0070C0"/>
-            </a:solidFill>
-          </a:ln>
-          <a:effectLst/>
-        </p:spPr>
-        <p:style>
-          <a:lnRef idx="1">
-            <a:schemeClr val="accent3"/>
-          </a:lnRef>
-          <a:fillRef idx="2">
-            <a:schemeClr val="accent3"/>
-          </a:fillRef>
-          <a:effectRef idx="1">
-            <a:schemeClr val="accent3"/>
-          </a:effectRef>
-          <a:fontRef idx="minor">
-            <a:schemeClr val="dk1"/>
-          </a:fontRef>
-        </p:style>
-        <p:txBody>
-          <a:bodyPr rtlCol="0" anchor="ctr"/>
-          <a:lstStyle/>
-          <a:p>
-            <a:pPr algn="ctr"/>
-            <a:endParaRPr lang="en-SG" sz="1050"/>
-          </a:p>
-        </p:txBody>
-      </p:sp>
-      <p:sp>
-        <p:nvSpPr>
-          <p:cNvPr id="39" name="Rectangle 62">
-            <a:extLst>
-              <a:ext uri="{FF2B5EF4-FFF2-40B4-BE49-F238E27FC236}">
-                <a16:creationId xmlns:a16="http://schemas.microsoft.com/office/drawing/2014/main" id="{F391E72B-7B04-402C-A690-5907C645AA29}"/>
-              </a:ext>
-            </a:extLst>
-          </p:cNvPr>
-          <p:cNvSpPr/>
-          <p:nvPr/>
-        </p:nvSpPr>
-        <p:spPr>
-          <a:xfrm>
-            <a:off x="4466401" y="2832081"/>
-            <a:ext cx="1362422" cy="325648"/>
-          </a:xfrm>
-          <a:prstGeom prst="rect">
-            <a:avLst/>
-          </a:prstGeom>
-          <a:solidFill>
-            <a:srgbClr val="0070C0"/>
-          </a:solidFill>
-          <a:ln w="19050">
-            <a:solidFill>
-              <a:srgbClr val="0070C0"/>
-            </a:solidFill>
-          </a:ln>
-          <a:effectLst/>
-        </p:spPr>
-        <p:style>
-          <a:lnRef idx="1">
-            <a:schemeClr val="accent2"/>
-          </a:lnRef>
-          <a:fillRef idx="2">
-            <a:schemeClr val="accent2"/>
-          </a:fillRef>
-          <a:effectRef idx="1">
-            <a:schemeClr val="accent2"/>
-          </a:effectRef>
-          <a:fontRef idx="minor">
-            <a:schemeClr val="dk1"/>
-          </a:fontRef>
-        </p:style>
-        <p:txBody>
-          <a:bodyPr rtlCol="0" anchor="ctr"/>
-          <a:lstStyle/>
-          <a:p>
-            <a:pPr algn="ctr"/>
-            <a:r>
-              <a:rPr lang="en-US" sz="1200" dirty="0">
-                <a:solidFill>
-                  <a:schemeClr val="bg1"/>
-                </a:solidFill>
-              </a:rPr>
-              <a:t>:</a:t>
-            </a:r>
-            <a:r>
-              <a:rPr lang="en-US" sz="1200" dirty="0" err="1">
-                <a:solidFill>
-                  <a:schemeClr val="bg1"/>
-                </a:solidFill>
-              </a:rPr>
-              <a:t>DeleteCommand</a:t>
-            </a:r>
-            <a:br>
-              <a:rPr lang="en-US" sz="1200" dirty="0">
-                <a:solidFill>
-                  <a:schemeClr val="bg1"/>
-                </a:solidFill>
-              </a:rPr>
-            </a:br>
-            <a:r>
-              <a:rPr lang="en-US" sz="1200" dirty="0" err="1">
-                <a:solidFill>
-                  <a:schemeClr val="bg1"/>
-                </a:solidFill>
-              </a:rPr>
-              <a:t>CommandParser</a:t>
-            </a:r>
-            <a:endParaRPr lang="en-SG" sz="1200" dirty="0">
-              <a:solidFill>
-                <a:schemeClr val="bg1"/>
-              </a:solidFill>
-            </a:endParaRPr>
-          </a:p>
-        </p:txBody>
-      </p:sp>
-      <p:cxnSp>
-        <p:nvCxnSpPr>
-          <p:cNvPr id="40" name="Straight Arrow Connector 39">
-            <a:extLst>
-              <a:ext uri="{FF2B5EF4-FFF2-40B4-BE49-F238E27FC236}">
-                <a16:creationId xmlns:a16="http://schemas.microsoft.com/office/drawing/2014/main" id="{107FEBE3-C986-450F-9221-30627DFB4A03}"/>
-              </a:ext>
-            </a:extLst>
-          </p:cNvPr>
-          <p:cNvCxnSpPr>
-            <a:cxnSpLocks/>
-          </p:cNvCxnSpPr>
-          <p:nvPr/>
-        </p:nvCxnSpPr>
-        <p:spPr>
-          <a:xfrm>
-            <a:off x="3942551" y="2990799"/>
-            <a:ext cx="517946" cy="1"/>
-          </a:xfrm>
-          <a:prstGeom prst="straightConnector1">
-            <a:avLst/>
-          </a:prstGeom>
-          <a:ln w="19050">
-            <a:solidFill>
-              <a:srgbClr val="0070C0"/>
-            </a:solidFill>
-            <a:tailEnd type="arrow"/>
-          </a:ln>
-        </p:spPr>
-        <p:style>
-          <a:lnRef idx="1">
-            <a:schemeClr val="accent1"/>
-          </a:lnRef>
-          <a:fillRef idx="0">
-            <a:schemeClr val="accent1"/>
-          </a:fillRef>
-          <a:effectRef idx="0">
-            <a:schemeClr val="accent1"/>
-          </a:effectRef>
-          <a:fontRef idx="minor">
-            <a:schemeClr val="tx1"/>
-          </a:fontRef>
-        </p:style>
-      </p:cxnSp>
-      <p:cxnSp>
-        <p:nvCxnSpPr>
-          <p:cNvPr id="42" name="Straight Connector 41">
-            <a:extLst>
-              <a:ext uri="{FF2B5EF4-FFF2-40B4-BE49-F238E27FC236}">
-                <a16:creationId xmlns:a16="http://schemas.microsoft.com/office/drawing/2014/main" id="{BBDCD544-A4E2-4531-9902-893765C0C819}"/>
-              </a:ext>
-            </a:extLst>
-          </p:cNvPr>
-          <p:cNvCxnSpPr>
-            <a:cxnSpLocks/>
-          </p:cNvCxnSpPr>
-          <p:nvPr/>
-        </p:nvCxnSpPr>
-        <p:spPr>
-          <a:xfrm>
-            <a:off x="5111110" y="3166124"/>
-            <a:ext cx="1" cy="1168257"/>
-          </a:xfrm>
-          <a:prstGeom prst="line">
-            <a:avLst/>
-          </a:prstGeom>
-          <a:ln w="19050">
-            <a:solidFill>
-              <a:srgbClr val="0070C0"/>
-            </a:solidFill>
-            <a:prstDash val="sysDash"/>
-          </a:ln>
-          <a:effectLst/>
-        </p:spPr>
-        <p:style>
-          <a:lnRef idx="1">
-            <a:schemeClr val="accent1"/>
-          </a:lnRef>
-          <a:fillRef idx="2">
-            <a:schemeClr val="accent1"/>
-          </a:fillRef>
-          <a:effectRef idx="1">
-            <a:schemeClr val="accent1"/>
-          </a:effectRef>
-          <a:fontRef idx="minor">
-            <a:schemeClr val="dk1"/>
-          </a:fontRef>
-        </p:style>
-      </p:cxnSp>
-      <p:sp>
-        <p:nvSpPr>
-          <p:cNvPr id="43" name="Rectangle 42">
-            <a:extLst>
-              <a:ext uri="{FF2B5EF4-FFF2-40B4-BE49-F238E27FC236}">
-                <a16:creationId xmlns:a16="http://schemas.microsoft.com/office/drawing/2014/main" id="{C990C0BF-84CC-4331-8E51-9E9A29D7C2E2}"/>
-              </a:ext>
-            </a:extLst>
-          </p:cNvPr>
-          <p:cNvSpPr/>
-          <p:nvPr/>
-        </p:nvSpPr>
-        <p:spPr>
-          <a:xfrm>
-            <a:off x="5053208" y="3162994"/>
-            <a:ext cx="108936" cy="116325"/>
-          </a:xfrm>
-          <a:prstGeom prst="rect">
-            <a:avLst/>
-          </a:prstGeom>
-          <a:solidFill>
-            <a:srgbClr val="0070C0"/>
-          </a:solidFill>
-          <a:ln>
-            <a:solidFill>
-              <a:srgbClr val="0070C0"/>
-            </a:solidFill>
-          </a:ln>
-          <a:effectLst/>
-        </p:spPr>
-        <p:style>
-          <a:lnRef idx="1">
-            <a:schemeClr val="accent3"/>
-          </a:lnRef>
-          <a:fillRef idx="2">
-            <a:schemeClr val="accent3"/>
-          </a:fillRef>
-          <a:effectRef idx="1">
-            <a:schemeClr val="accent3"/>
-          </a:effectRef>
-          <a:fontRef idx="minor">
-            <a:schemeClr val="dk1"/>
-          </a:fontRef>
-        </p:style>
-        <p:txBody>
-          <a:bodyPr rtlCol="0" anchor="ctr"/>
-          <a:lstStyle/>
-          <a:p>
-            <a:pPr algn="ctr"/>
-            <a:endParaRPr lang="en-SG" sz="1050"/>
-          </a:p>
-        </p:txBody>
-      </p:sp>
-      <p:cxnSp>
-        <p:nvCxnSpPr>
-          <p:cNvPr id="44" name="Straight Arrow Connector 43">
-            <a:extLst>
-              <a:ext uri="{FF2B5EF4-FFF2-40B4-BE49-F238E27FC236}">
-                <a16:creationId xmlns:a16="http://schemas.microsoft.com/office/drawing/2014/main" id="{5C6E1FD1-A8C4-46BF-AD11-081FE0DBC012}"/>
-              </a:ext>
-            </a:extLst>
-          </p:cNvPr>
-          <p:cNvCxnSpPr>
-            <a:cxnSpLocks/>
-          </p:cNvCxnSpPr>
-          <p:nvPr/>
-        </p:nvCxnSpPr>
-        <p:spPr>
-          <a:xfrm>
-            <a:off x="3947613" y="3279319"/>
-            <a:ext cx="1106924" cy="0"/>
-          </a:xfrm>
-          <a:prstGeom prst="straightConnector1">
-            <a:avLst/>
-          </a:prstGeom>
-          <a:ln w="19050">
-            <a:solidFill>
-              <a:srgbClr val="0070C0"/>
-            </a:solidFill>
-            <a:prstDash val="sysDash"/>
-            <a:headEnd type="arrow" w="med" len="med"/>
-            <a:tailEnd type="none" w="med" len="med"/>
-          </a:ln>
-        </p:spPr>
-        <p:style>
-          <a:lnRef idx="1">
-            <a:schemeClr val="accent1"/>
-          </a:lnRef>
-          <a:fillRef idx="0">
-            <a:schemeClr val="accent1"/>
-          </a:fillRef>
-          <a:effectRef idx="0">
-            <a:schemeClr val="accent1"/>
-          </a:effectRef>
-          <a:fontRef idx="minor">
-            <a:schemeClr val="tx1"/>
-          </a:fontRef>
-        </p:style>
-      </p:cxnSp>
-      <p:sp>
-        <p:nvSpPr>
-          <p:cNvPr id="47" name="TextBox 46">
-            <a:extLst>
-              <a:ext uri="{FF2B5EF4-FFF2-40B4-BE49-F238E27FC236}">
-                <a16:creationId xmlns:a16="http://schemas.microsoft.com/office/drawing/2014/main" id="{6EE85D60-A671-4080-970A-312C5098DADF}"/>
-              </a:ext>
-            </a:extLst>
-          </p:cNvPr>
-          <p:cNvSpPr txBox="1"/>
-          <p:nvPr/>
-        </p:nvSpPr>
-        <p:spPr>
-          <a:xfrm>
-            <a:off x="4171314" y="3485868"/>
-            <a:ext cx="903734" cy="138499"/>
-          </a:xfrm>
-          <a:prstGeom prst="rect">
-            <a:avLst/>
-          </a:prstGeom>
-          <a:noFill/>
-        </p:spPr>
-        <p:txBody>
-          <a:bodyPr wrap="square" lIns="0" tIns="0" rIns="0" bIns="0" rtlCol="0">
-            <a:spAutoFit/>
-          </a:bodyPr>
-          <a:lstStyle>
-            <a:defPPr>
-              <a:defRPr lang="en-US"/>
-            </a:defPPr>
-            <a:lvl1pPr algn="r">
-              <a:defRPr sz="1400">
-                <a:solidFill>
-                  <a:srgbClr val="0070C0"/>
-                </a:solidFill>
-              </a:defRPr>
-            </a:lvl1pPr>
-          </a:lstStyle>
-          <a:p>
-            <a:pPr algn="l"/>
-            <a:r>
-              <a:rPr lang="en-US" sz="900" dirty="0"/>
-              <a:t>parse(“1”)</a:t>
-            </a:r>
-          </a:p>
-        </p:txBody>
-      </p:sp>
-      <p:cxnSp>
-        <p:nvCxnSpPr>
-          <p:cNvPr id="48" name="Straight Arrow Connector 47">
-            <a:extLst>
-              <a:ext uri="{FF2B5EF4-FFF2-40B4-BE49-F238E27FC236}">
-                <a16:creationId xmlns:a16="http://schemas.microsoft.com/office/drawing/2014/main" id="{04EE8313-5790-4966-B4CE-F257E5CEACB4}"/>
-              </a:ext>
-            </a:extLst>
-          </p:cNvPr>
-          <p:cNvCxnSpPr>
-            <a:cxnSpLocks/>
-          </p:cNvCxnSpPr>
-          <p:nvPr/>
-        </p:nvCxnSpPr>
-        <p:spPr>
-          <a:xfrm>
-            <a:off x="3947829" y="3674837"/>
-            <a:ext cx="1112248" cy="0"/>
-          </a:xfrm>
-          <a:prstGeom prst="straightConnector1">
-            <a:avLst/>
-          </a:prstGeom>
-          <a:ln w="19050">
-            <a:solidFill>
-              <a:srgbClr val="0070C0"/>
-            </a:solidFill>
-            <a:tailEnd type="arrow"/>
-          </a:ln>
-        </p:spPr>
-        <p:style>
-          <a:lnRef idx="1">
-            <a:schemeClr val="accent1"/>
-          </a:lnRef>
-          <a:fillRef idx="0">
-            <a:schemeClr val="accent1"/>
-          </a:fillRef>
-          <a:effectRef idx="0">
-            <a:schemeClr val="accent1"/>
-          </a:effectRef>
-          <a:fontRef idx="minor">
-            <a:schemeClr val="tx1"/>
-          </a:fontRef>
-        </p:style>
-      </p:cxnSp>
-      <p:sp>
-        <p:nvSpPr>
-          <p:cNvPr id="50" name="Rectangle 49">
-            <a:extLst>
-              <a:ext uri="{FF2B5EF4-FFF2-40B4-BE49-F238E27FC236}">
-                <a16:creationId xmlns:a16="http://schemas.microsoft.com/office/drawing/2014/main" id="{1719FA4A-AC47-4E7C-8766-D81AE6299F7F}"/>
-              </a:ext>
-            </a:extLst>
-          </p:cNvPr>
-          <p:cNvSpPr/>
-          <p:nvPr/>
-        </p:nvSpPr>
-        <p:spPr>
-          <a:xfrm>
-            <a:off x="5053208" y="3647243"/>
-            <a:ext cx="108887" cy="457404"/>
-          </a:xfrm>
-          <a:prstGeom prst="rect">
-            <a:avLst/>
-          </a:prstGeom>
-          <a:solidFill>
-            <a:srgbClr val="0070C0"/>
-          </a:solidFill>
-          <a:ln>
-            <a:solidFill>
-              <a:srgbClr val="0070C0"/>
-            </a:solidFill>
-          </a:ln>
-          <a:effectLst/>
-        </p:spPr>
-        <p:style>
-          <a:lnRef idx="1">
-            <a:schemeClr val="accent3"/>
-          </a:lnRef>
-          <a:fillRef idx="2">
-            <a:schemeClr val="accent3"/>
-          </a:fillRef>
-          <a:effectRef idx="1">
-            <a:schemeClr val="accent3"/>
-          </a:effectRef>
-          <a:fontRef idx="minor">
-            <a:schemeClr val="dk1"/>
-          </a:fontRef>
-        </p:style>
-        <p:txBody>
-          <a:bodyPr rtlCol="0" anchor="ctr"/>
-          <a:lstStyle/>
-          <a:p>
-            <a:pPr algn="ctr"/>
-            <a:endParaRPr lang="en-SG" sz="1050"/>
-          </a:p>
-        </p:txBody>
-      </p:sp>
-      <p:sp>
-        <p:nvSpPr>
-          <p:cNvPr id="57" name="Rectangle 62">
-            <a:extLst>
-              <a:ext uri="{FF2B5EF4-FFF2-40B4-BE49-F238E27FC236}">
-                <a16:creationId xmlns:a16="http://schemas.microsoft.com/office/drawing/2014/main" id="{8FF06BFF-9634-4DB1-BCAB-CA173B707C4E}"/>
-              </a:ext>
-            </a:extLst>
-          </p:cNvPr>
-          <p:cNvSpPr/>
-          <p:nvPr/>
-        </p:nvSpPr>
-        <p:spPr>
-          <a:xfrm>
-            <a:off x="5646943" y="3534582"/>
-            <a:ext cx="860879" cy="325648"/>
-          </a:xfrm>
-          <a:prstGeom prst="rect">
-            <a:avLst/>
-          </a:prstGeom>
-          <a:solidFill>
-            <a:srgbClr val="0070C0"/>
-          </a:solidFill>
-          <a:ln w="19050">
-            <a:solidFill>
-              <a:srgbClr val="0070C0"/>
-            </a:solidFill>
-          </a:ln>
-          <a:effectLst/>
-        </p:spPr>
-        <p:style>
-          <a:lnRef idx="1">
-            <a:schemeClr val="accent2"/>
-          </a:lnRef>
-          <a:fillRef idx="2">
-            <a:schemeClr val="accent2"/>
-          </a:fillRef>
-          <a:effectRef idx="1">
-            <a:schemeClr val="accent2"/>
-          </a:effectRef>
-          <a:fontRef idx="minor">
-            <a:schemeClr val="dk1"/>
-          </a:fontRef>
-        </p:style>
-        <p:txBody>
-          <a:bodyPr rtlCol="0" anchor="ctr"/>
-          <a:lstStyle/>
-          <a:p>
-            <a:pPr algn="ctr"/>
-            <a:r>
-              <a:rPr lang="en-US" sz="1200" dirty="0">
-                <a:solidFill>
-                  <a:schemeClr val="bg1"/>
-                </a:solidFill>
-              </a:rPr>
-              <a:t>a:Delete</a:t>
-            </a:r>
-            <a:br>
-              <a:rPr lang="en-US" sz="1200" dirty="0">
-                <a:solidFill>
-                  <a:schemeClr val="bg1"/>
-                </a:solidFill>
-              </a:rPr>
-            </a:br>
-            <a:r>
-              <a:rPr lang="en-US" sz="1200" dirty="0">
-                <a:solidFill>
-                  <a:schemeClr val="bg1"/>
-                </a:solidFill>
-              </a:rPr>
-              <a:t>Command</a:t>
-            </a:r>
-            <a:endParaRPr lang="en-SG" sz="1200" dirty="0">
-              <a:solidFill>
-                <a:schemeClr val="bg1"/>
-              </a:solidFill>
-            </a:endParaRPr>
-          </a:p>
-        </p:txBody>
-      </p:sp>
-      <p:cxnSp>
-        <p:nvCxnSpPr>
-          <p:cNvPr id="59" name="Straight Connector 58">
-            <a:extLst>
-              <a:ext uri="{FF2B5EF4-FFF2-40B4-BE49-F238E27FC236}">
-                <a16:creationId xmlns:a16="http://schemas.microsoft.com/office/drawing/2014/main" id="{1641C159-EC71-4867-A41B-9AD7F2FACF27}"/>
-              </a:ext>
-            </a:extLst>
-          </p:cNvPr>
-          <p:cNvCxnSpPr>
-            <a:cxnSpLocks/>
-          </p:cNvCxnSpPr>
-          <p:nvPr/>
-        </p:nvCxnSpPr>
-        <p:spPr>
-          <a:xfrm>
-            <a:off x="6152091" y="3850267"/>
-            <a:ext cx="0" cy="2027306"/>
-          </a:xfrm>
-          <a:prstGeom prst="line">
-            <a:avLst/>
-          </a:prstGeom>
-          <a:ln w="19050">
-            <a:solidFill>
-              <a:srgbClr val="0070C0"/>
-            </a:solidFill>
-            <a:prstDash val="sysDash"/>
-          </a:ln>
-          <a:effectLst/>
-        </p:spPr>
-        <p:style>
-          <a:lnRef idx="1">
-            <a:schemeClr val="accent1"/>
-          </a:lnRef>
-          <a:fillRef idx="2">
-            <a:schemeClr val="accent1"/>
-          </a:fillRef>
-          <a:effectRef idx="1">
-            <a:schemeClr val="accent1"/>
-          </a:effectRef>
-          <a:fontRef idx="minor">
-            <a:schemeClr val="dk1"/>
-          </a:fontRef>
-        </p:style>
-      </p:cxnSp>
-      <p:sp>
-        <p:nvSpPr>
-          <p:cNvPr id="60" name="Rectangle 59">
-            <a:extLst>
-              <a:ext uri="{FF2B5EF4-FFF2-40B4-BE49-F238E27FC236}">
-                <a16:creationId xmlns:a16="http://schemas.microsoft.com/office/drawing/2014/main" id="{FB88297E-4144-47A4-9347-53564A5DD62C}"/>
-              </a:ext>
-            </a:extLst>
-          </p:cNvPr>
-          <p:cNvSpPr/>
-          <p:nvPr/>
-        </p:nvSpPr>
-        <p:spPr>
-          <a:xfrm>
-            <a:off x="6094190" y="3862377"/>
-            <a:ext cx="127335" cy="97661"/>
-          </a:xfrm>
-          <a:prstGeom prst="rect">
-            <a:avLst/>
-          </a:prstGeom>
-          <a:solidFill>
-            <a:srgbClr val="0070C0"/>
-          </a:solidFill>
-          <a:ln>
-            <a:solidFill>
-              <a:srgbClr val="0070C0"/>
-            </a:solidFill>
-          </a:ln>
-          <a:effectLst/>
-        </p:spPr>
-        <p:style>
-          <a:lnRef idx="1">
-            <a:schemeClr val="accent3"/>
-          </a:lnRef>
-          <a:fillRef idx="2">
-            <a:schemeClr val="accent3"/>
-          </a:fillRef>
-          <a:effectRef idx="1">
-            <a:schemeClr val="accent3"/>
-          </a:effectRef>
-          <a:fontRef idx="minor">
-            <a:schemeClr val="dk1"/>
-          </a:fontRef>
-        </p:style>
-        <p:txBody>
-          <a:bodyPr rtlCol="0" anchor="ctr"/>
-          <a:lstStyle/>
-          <a:p>
-            <a:pPr algn="ctr"/>
-            <a:endParaRPr lang="en-SG" sz="1050"/>
-          </a:p>
-        </p:txBody>
-      </p:sp>
-      <p:cxnSp>
-        <p:nvCxnSpPr>
-          <p:cNvPr id="66" name="Straight Arrow Connector 65">
-            <a:extLst>
-              <a:ext uri="{FF2B5EF4-FFF2-40B4-BE49-F238E27FC236}">
-                <a16:creationId xmlns:a16="http://schemas.microsoft.com/office/drawing/2014/main" id="{8ABFBE77-CEC2-460B-A13A-678FDC27D83E}"/>
-              </a:ext>
-            </a:extLst>
-          </p:cNvPr>
-          <p:cNvCxnSpPr>
-            <a:cxnSpLocks/>
-          </p:cNvCxnSpPr>
-          <p:nvPr/>
-        </p:nvCxnSpPr>
-        <p:spPr>
-          <a:xfrm>
-            <a:off x="5168954" y="3703322"/>
-            <a:ext cx="481620" cy="1"/>
-          </a:xfrm>
-          <a:prstGeom prst="straightConnector1">
-            <a:avLst/>
-          </a:prstGeom>
-          <a:ln w="19050">
-            <a:solidFill>
-              <a:srgbClr val="0070C0"/>
-            </a:solidFill>
-            <a:tailEnd type="arrow"/>
-          </a:ln>
-        </p:spPr>
-        <p:style>
-          <a:lnRef idx="1">
-            <a:schemeClr val="accent1"/>
-          </a:lnRef>
-          <a:fillRef idx="0">
-            <a:schemeClr val="accent1"/>
-          </a:fillRef>
-          <a:effectRef idx="0">
-            <a:schemeClr val="accent1"/>
-          </a:effectRef>
-          <a:fontRef idx="minor">
-            <a:schemeClr val="tx1"/>
-          </a:fontRef>
-        </p:style>
-      </p:cxnSp>
-      <p:cxnSp>
-        <p:nvCxnSpPr>
-          <p:cNvPr id="69" name="Straight Arrow Connector 68">
-            <a:extLst>
-              <a:ext uri="{FF2B5EF4-FFF2-40B4-BE49-F238E27FC236}">
-                <a16:creationId xmlns:a16="http://schemas.microsoft.com/office/drawing/2014/main" id="{1E5B9B76-3A6F-42C7-97D9-5D863F8E26E9}"/>
-              </a:ext>
-            </a:extLst>
-          </p:cNvPr>
-          <p:cNvCxnSpPr>
-            <a:cxnSpLocks/>
-          </p:cNvCxnSpPr>
-          <p:nvPr/>
-        </p:nvCxnSpPr>
-        <p:spPr>
-          <a:xfrm>
-            <a:off x="5168954" y="3960038"/>
-            <a:ext cx="910268" cy="0"/>
+            <a:off x="2502653" y="4507812"/>
+            <a:ext cx="1532362" cy="0"/>
           </a:xfrm>
           <a:prstGeom prst="straightConnector1">
             <a:avLst/>
@@ -5139,13 +4492,7 @@
       </p:cxnSp>
       <p:cxnSp>
         <p:nvCxnSpPr>
-          <p:cNvPr id="71" name="Straight Arrow Connector 70">
-            <a:extLst>
-              <a:ext uri="{FF2B5EF4-FFF2-40B4-BE49-F238E27FC236}">
-                <a16:creationId xmlns:a16="http://schemas.microsoft.com/office/drawing/2014/main" id="{CC7A7E33-C704-4F2A-9140-A1E467AEB2DC}"/>
-              </a:ext>
-            </a:extLst>
-          </p:cNvPr>
+          <p:cNvPr id="37" name="Straight Arrow Connector 36"/>
           <p:cNvCxnSpPr>
             <a:cxnSpLocks/>
           </p:cNvCxnSpPr>
@@ -5153,15 +4500,15 @@
         </p:nvCxnSpPr>
         <p:spPr>
           <a:xfrm>
-            <a:off x="3947613" y="4104647"/>
-            <a:ext cx="1119758" cy="0"/>
+            <a:off x="1263008" y="4657260"/>
+            <a:ext cx="1087245" cy="0"/>
           </a:xfrm>
           <a:prstGeom prst="straightConnector1">
             <a:avLst/>
           </a:prstGeom>
           <a:ln w="19050">
             <a:solidFill>
-              <a:srgbClr val="0070C0"/>
+              <a:srgbClr val="00B050"/>
             </a:solidFill>
             <a:prstDash val="sysDash"/>
             <a:headEnd type="arrow" w="med" len="med"/>
@@ -5183,15 +4530,72 @@
           </a:fontRef>
         </p:style>
       </p:cxnSp>
+      <p:sp>
+        <p:nvSpPr>
+          <p:cNvPr id="53" name="Rectangle 62"/>
+          <p:cNvSpPr/>
+          <p:nvPr/>
+        </p:nvSpPr>
+        <p:spPr>
+          <a:xfrm>
+            <a:off x="6870618" y="2213466"/>
+            <a:ext cx="1093635" cy="346760"/>
+          </a:xfrm>
+          <a:prstGeom prst="rect">
+            <a:avLst/>
+          </a:prstGeom>
+          <a:solidFill>
+            <a:schemeClr val="accent6">
+              <a:lumMod val="75000"/>
+            </a:schemeClr>
+          </a:solidFill>
+          <a:ln w="19050">
+            <a:solidFill>
+              <a:schemeClr val="accent6">
+                <a:lumMod val="75000"/>
+              </a:schemeClr>
+            </a:solidFill>
+          </a:ln>
+          <a:effectLst/>
+        </p:spPr>
+        <p:style>
+          <a:lnRef idx="1">
+            <a:schemeClr val="accent2"/>
+          </a:lnRef>
+          <a:fillRef idx="2">
+            <a:schemeClr val="accent2"/>
+          </a:fillRef>
+          <a:effectRef idx="1">
+            <a:schemeClr val="accent2"/>
+          </a:effectRef>
+          <a:fontRef idx="minor">
+            <a:schemeClr val="dk1"/>
+          </a:fontRef>
+        </p:style>
+        <p:txBody>
+          <a:bodyPr rtlCol="0" anchor="ctr"/>
+          <a:lstStyle/>
+          <a:p>
+            <a:pPr algn="ctr"/>
+            <a:r>
+              <a:rPr lang="en-US" sz="1600" dirty="0">
+                <a:solidFill>
+                  <a:schemeClr val="bg1"/>
+                </a:solidFill>
+              </a:rPr>
+              <a:t>:Storage</a:t>
+            </a:r>
+            <a:endParaRPr lang="en-SG" sz="1600" dirty="0">
+              <a:solidFill>
+                <a:schemeClr val="bg1"/>
+              </a:solidFill>
+            </a:endParaRPr>
+          </a:p>
+        </p:txBody>
+      </p:sp>
       <p:cxnSp>
         <p:nvCxnSpPr>
-          <p:cNvPr id="75" name="Straight Arrow Connector 74">
-            <a:extLst>
-              <a:ext uri="{FF2B5EF4-FFF2-40B4-BE49-F238E27FC236}">
-                <a16:creationId xmlns:a16="http://schemas.microsoft.com/office/drawing/2014/main" id="{2EC16EED-F84B-4473-98CF-98188E06C8FE}"/>
-              </a:ext>
-            </a:extLst>
-          </p:cNvPr>
+          <p:cNvPr id="54" name="Straight Connector 53"/>
           <p:cNvCxnSpPr>
             <a:cxnSpLocks/>
           </p:cNvCxnSpPr>
@@ -5199,19 +4603,118 @@
         </p:nvCxnSpPr>
         <p:spPr>
           <a:xfrm>
-            <a:off x="2796179" y="4251578"/>
-            <a:ext cx="1050927" cy="0"/>
+            <a:off x="7417435" y="2538761"/>
+            <a:ext cx="0" cy="2274565"/>
+          </a:xfrm>
+          <a:prstGeom prst="line">
+            <a:avLst/>
+          </a:prstGeom>
+          <a:ln w="19050">
+            <a:solidFill>
+              <a:schemeClr val="accent6">
+                <a:lumMod val="75000"/>
+              </a:schemeClr>
+            </a:solidFill>
+            <a:prstDash val="sysDash"/>
+          </a:ln>
+          <a:effectLst/>
+        </p:spPr>
+        <p:style>
+          <a:lnRef idx="1">
+            <a:schemeClr val="accent1"/>
+          </a:lnRef>
+          <a:fillRef idx="2">
+            <a:schemeClr val="accent1"/>
+          </a:fillRef>
+          <a:effectRef idx="1">
+            <a:schemeClr val="accent1"/>
+          </a:effectRef>
+          <a:fontRef idx="minor">
+            <a:schemeClr val="dk1"/>
+          </a:fontRef>
+        </p:style>
+      </p:cxnSp>
+      <p:sp>
+        <p:nvSpPr>
+          <p:cNvPr id="55" name="Rectangle 54"/>
+          <p:cNvSpPr/>
+          <p:nvPr/>
+        </p:nvSpPr>
+        <p:spPr>
+          <a:xfrm>
+            <a:off x="7351124" y="3879150"/>
+            <a:ext cx="124478" cy="457919"/>
+          </a:xfrm>
+          <a:prstGeom prst="rect">
+            <a:avLst/>
+          </a:prstGeom>
+          <a:solidFill>
+            <a:schemeClr val="accent6">
+              <a:lumMod val="75000"/>
+            </a:schemeClr>
+          </a:solidFill>
+          <a:ln>
+            <a:solidFill>
+              <a:schemeClr val="accent6">
+                <a:lumMod val="75000"/>
+              </a:schemeClr>
+            </a:solidFill>
+          </a:ln>
+          <a:effectLst/>
+        </p:spPr>
+        <p:style>
+          <a:lnRef idx="1">
+            <a:schemeClr val="accent3"/>
+          </a:lnRef>
+          <a:fillRef idx="2">
+            <a:schemeClr val="accent3"/>
+          </a:fillRef>
+          <a:effectRef idx="1">
+            <a:schemeClr val="accent3"/>
+          </a:effectRef>
+          <a:fontRef idx="minor">
+            <a:schemeClr val="dk1"/>
+          </a:fontRef>
+        </p:style>
+        <p:txBody>
+          <a:bodyPr rtlCol="0" anchor="ctr"/>
+          <a:lstStyle/>
+          <a:p>
+            <a:pPr algn="ctr"/>
+            <a:endParaRPr lang="en-SG" sz="1400">
+              <a:solidFill>
+                <a:schemeClr val="dk1"/>
+              </a:solidFill>
+            </a:endParaRPr>
+          </a:p>
+        </p:txBody>
+      </p:sp>
+      <p:cxnSp>
+        <p:nvCxnSpPr>
+          <p:cNvPr id="63" name="Straight Arrow Connector 62"/>
+          <p:cNvCxnSpPr>
+            <a:cxnSpLocks/>
+            <a:stCxn id="55" idx="2"/>
+          </p:cNvCxnSpPr>
+          <p:nvPr/>
+        </p:nvCxnSpPr>
+        <p:spPr>
+          <a:xfrm flipH="1" flipV="1">
+            <a:off x="4187393" y="4336999"/>
+            <a:ext cx="3225970" cy="70"/>
           </a:xfrm>
           <a:prstGeom prst="straightConnector1">
             <a:avLst/>
           </a:prstGeom>
           <a:ln w="19050">
             <a:solidFill>
-              <a:srgbClr val="0070C0"/>
+              <a:schemeClr val="accent6">
+                <a:lumMod val="75000"/>
+              </a:schemeClr>
             </a:solidFill>
             <a:prstDash val="sysDash"/>
-            <a:headEnd type="arrow" w="med" len="med"/>
-            <a:tailEnd type="none" w="med" len="med"/>
+            <a:headEnd type="none" w="med" len="med"/>
+            <a:tailEnd type="arrow" w="med" len="med"/>
           </a:ln>
         </p:spPr>
         <p:style>
@@ -5229,12 +4732,334 @@
           </a:fontRef>
         </p:style>
       </p:cxnSp>
+      <p:sp>
+        <p:nvSpPr>
+          <p:cNvPr id="74" name="TextBox 73"/>
+          <p:cNvSpPr txBox="1"/>
+          <p:nvPr/>
+        </p:nvSpPr>
+        <p:spPr>
+          <a:xfrm>
+            <a:off x="4484157" y="3921005"/>
+            <a:ext cx="2466828" cy="215444"/>
+          </a:xfrm>
+          <a:prstGeom prst="rect">
+            <a:avLst/>
+          </a:prstGeom>
+          <a:noFill/>
+        </p:spPr>
+        <p:txBody>
+          <a:bodyPr wrap="square" lIns="0" tIns="0" rIns="0" bIns="0" rtlCol="0">
+            <a:spAutoFit/>
+          </a:bodyPr>
+          <a:lstStyle/>
+          <a:p>
+            <a:pPr algn="ctr"/>
+            <a:r>
+              <a:rPr lang="en-US" sz="1400" dirty="0" err="1">
+                <a:solidFill>
+                  <a:schemeClr val="accent6">
+                    <a:lumMod val="75000"/>
+                  </a:schemeClr>
+                </a:solidFill>
+              </a:rPr>
+              <a:t>saveAddressBook</a:t>
+            </a:r>
+            <a:r>
+              <a:rPr lang="en-US" sz="1400" dirty="0">
+                <a:solidFill>
+                  <a:schemeClr val="accent6">
+                    <a:lumMod val="75000"/>
+                  </a:schemeClr>
+                </a:solidFill>
+              </a:rPr>
+              <a:t>(</a:t>
+            </a:r>
+            <a:r>
+              <a:rPr lang="en-US" sz="1400" dirty="0" err="1">
+                <a:solidFill>
+                  <a:schemeClr val="accent6">
+                    <a:lumMod val="75000"/>
+                  </a:schemeClr>
+                </a:solidFill>
+              </a:rPr>
+              <a:t>AddressBook</a:t>
+            </a:r>
+            <a:r>
+              <a:rPr lang="en-US" sz="1400" dirty="0">
+                <a:solidFill>
+                  <a:schemeClr val="accent6">
+                    <a:lumMod val="75000"/>
+                  </a:schemeClr>
+                </a:solidFill>
+              </a:rPr>
+              <a:t>)</a:t>
+            </a:r>
+          </a:p>
+        </p:txBody>
+      </p:sp>
       <p:cxnSp>
         <p:nvCxnSpPr>
-          <p:cNvPr id="79" name="Straight Arrow Connector 78">
+          <p:cNvPr id="85" name="Straight Connector 84"/>
+          <p:cNvCxnSpPr>
+            <a:cxnSpLocks/>
+          </p:cNvCxnSpPr>
+          <p:nvPr/>
+        </p:nvCxnSpPr>
+        <p:spPr>
+          <a:xfrm>
+            <a:off x="1072833" y="2712598"/>
+            <a:ext cx="0" cy="2100728"/>
+          </a:xfrm>
+          <a:prstGeom prst="line">
+            <a:avLst/>
+          </a:prstGeom>
+          <a:ln w="19050">
+            <a:solidFill>
+              <a:schemeClr val="tx1"/>
+            </a:solidFill>
+            <a:prstDash val="sysDash"/>
+          </a:ln>
+          <a:effectLst/>
+        </p:spPr>
+        <p:style>
+          <a:lnRef idx="1">
+            <a:schemeClr val="accent1"/>
+          </a:lnRef>
+          <a:fillRef idx="2">
+            <a:schemeClr val="accent1"/>
+          </a:fillRef>
+          <a:effectRef idx="1">
+            <a:schemeClr val="accent1"/>
+          </a:effectRef>
+          <a:fontRef idx="minor">
+            <a:schemeClr val="dk1"/>
+          </a:fontRef>
+        </p:style>
+      </p:cxnSp>
+      <p:grpSp>
+        <p:nvGrpSpPr>
+          <p:cNvPr id="58" name="Group 57"/>
+          <p:cNvGrpSpPr/>
+          <p:nvPr/>
+        </p:nvGrpSpPr>
+        <p:grpSpPr>
+          <a:xfrm flipH="1">
+            <a:off x="7442978" y="3879149"/>
+            <a:ext cx="217349" cy="430885"/>
+            <a:chOff x="1028134" y="5612032"/>
+            <a:chExt cx="217349" cy="270072"/>
+          </a:xfrm>
+        </p:grpSpPr>
+        <p:sp>
+          <p:nvSpPr>
+            <p:cNvPr id="59" name="Freeform 58"/>
+            <p:cNvSpPr/>
+            <p:nvPr/>
+          </p:nvSpPr>
+          <p:spPr>
+            <a:xfrm rot="2600998" flipH="1" flipV="1">
+              <a:off x="1028134" y="5612032"/>
+              <a:ext cx="167452" cy="116880"/>
+            </a:xfrm>
+            <a:custGeom>
+              <a:avLst/>
+              <a:gdLst>
+                <a:gd name="connsiteX0" fmla="*/ 0 w 226400"/>
+                <a:gd name="connsiteY0" fmla="*/ 32920 h 171466"/>
+                <a:gd name="connsiteX1" fmla="*/ 157018 w 226400"/>
+                <a:gd name="connsiteY1" fmla="*/ 5211 h 171466"/>
+                <a:gd name="connsiteX2" fmla="*/ 221673 w 226400"/>
+                <a:gd name="connsiteY2" fmla="*/ 125284 h 171466"/>
+                <a:gd name="connsiteX3" fmla="*/ 36945 w 226400"/>
+                <a:gd name="connsiteY3" fmla="*/ 171466 h 171466"/>
+              </a:gdLst>
+              <a:ahLst/>
+              <a:cxnLst>
+                <a:cxn ang="0">
+                  <a:pos x="connsiteX0" y="connsiteY0"/>
+                </a:cxn>
+                <a:cxn ang="0">
+                  <a:pos x="connsiteX1" y="connsiteY1"/>
+                </a:cxn>
+                <a:cxn ang="0">
+                  <a:pos x="connsiteX2" y="connsiteY2"/>
+                </a:cxn>
+                <a:cxn ang="0">
+                  <a:pos x="connsiteX3" y="connsiteY3"/>
+                </a:cxn>
+              </a:cxnLst>
+              <a:rect l="l" t="t" r="r" b="b"/>
+              <a:pathLst>
+                <a:path w="226400" h="171466">
+                  <a:moveTo>
+                    <a:pt x="0" y="32920"/>
+                  </a:moveTo>
+                  <a:cubicBezTo>
+                    <a:pt x="60036" y="11368"/>
+                    <a:pt x="120073" y="-10183"/>
+                    <a:pt x="157018" y="5211"/>
+                  </a:cubicBezTo>
+                  <a:cubicBezTo>
+                    <a:pt x="193963" y="20605"/>
+                    <a:pt x="241685" y="97575"/>
+                    <a:pt x="221673" y="125284"/>
+                  </a:cubicBezTo>
+                  <a:cubicBezTo>
+                    <a:pt x="201661" y="152993"/>
+                    <a:pt x="119303" y="162229"/>
+                    <a:pt x="36945" y="171466"/>
+                  </a:cubicBezTo>
+                </a:path>
+              </a:pathLst>
+            </a:custGeom>
+            <a:ln w="19050">
+              <a:solidFill>
+                <a:schemeClr val="accent6">
+                  <a:lumMod val="75000"/>
+                </a:schemeClr>
+              </a:solidFill>
+              <a:headEnd type="arrow" w="med" len="med"/>
+              <a:tailEnd type="none" w="med" len="med"/>
+            </a:ln>
+          </p:spPr>
+          <p:style>
+            <a:lnRef idx="1">
+              <a:schemeClr val="accent1"/>
+            </a:lnRef>
+            <a:fillRef idx="0">
+              <a:schemeClr val="accent1"/>
+            </a:fillRef>
+            <a:effectRef idx="0">
+              <a:schemeClr val="accent1"/>
+            </a:effectRef>
+            <a:fontRef idx="minor">
+              <a:schemeClr val="tx1"/>
+            </a:fontRef>
+          </p:style>
+          <p:txBody>
+            <a:bodyPr rtlCol="0" anchor="ctr"/>
+            <a:lstStyle/>
+            <a:p>
+              <a:pPr algn="ctr"/>
+              <a:endParaRPr lang="en-SG"/>
+            </a:p>
+          </p:txBody>
+        </p:sp>
+        <p:sp>
+          <p:nvSpPr>
+            <p:cNvPr id="60" name="Rectangle 59"/>
+            <p:cNvSpPr/>
+            <p:nvPr/>
+          </p:nvSpPr>
+          <p:spPr>
+            <a:xfrm>
+              <a:off x="1147403" y="5712513"/>
+              <a:ext cx="98080" cy="169591"/>
+            </a:xfrm>
+            <a:prstGeom prst="rect">
+              <a:avLst/>
+            </a:prstGeom>
+            <a:solidFill>
+              <a:schemeClr val="accent6">
+                <a:lumMod val="75000"/>
+              </a:schemeClr>
+            </a:solidFill>
+            <a:ln>
+              <a:solidFill>
+                <a:schemeClr val="bg1"/>
+              </a:solidFill>
+            </a:ln>
+            <a:effectLst/>
+          </p:spPr>
+          <p:style>
+            <a:lnRef idx="1">
+              <a:schemeClr val="accent3"/>
+            </a:lnRef>
+            <a:fillRef idx="2">
+              <a:schemeClr val="accent3"/>
+            </a:fillRef>
+            <a:effectRef idx="1">
+              <a:schemeClr val="accent3"/>
+            </a:effectRef>
+            <a:fontRef idx="minor">
+              <a:schemeClr val="dk1"/>
+            </a:fontRef>
+          </p:style>
+          <p:txBody>
+            <a:bodyPr rtlCol="0" anchor="ctr"/>
+            <a:lstStyle/>
+            <a:p>
+              <a:pPr algn="ctr"/>
+              <a:endParaRPr lang="en-SG" sz="1400">
+                <a:solidFill>
+                  <a:schemeClr val="dk1"/>
+                </a:solidFill>
+              </a:endParaRPr>
+            </a:p>
+          </p:txBody>
+        </p:sp>
+      </p:grpSp>
+      <p:sp>
+        <p:nvSpPr>
+          <p:cNvPr id="61" name="TextBox 60"/>
+          <p:cNvSpPr txBox="1"/>
+          <p:nvPr/>
+        </p:nvSpPr>
+        <p:spPr>
+          <a:xfrm>
+            <a:off x="7730090" y="3724480"/>
+            <a:ext cx="539047" cy="430887"/>
+          </a:xfrm>
+          <a:prstGeom prst="rect">
+            <a:avLst/>
+          </a:prstGeom>
+          <a:noFill/>
+        </p:spPr>
+        <p:txBody>
+          <a:bodyPr wrap="square" lIns="0" tIns="0" rIns="0" bIns="0" rtlCol="0">
+            <a:spAutoFit/>
+          </a:bodyPr>
+          <a:lstStyle/>
+          <a:p>
+            <a:r>
+              <a:rPr lang="en-US" sz="1400" dirty="0">
+                <a:solidFill>
+                  <a:schemeClr val="accent6">
+                    <a:lumMod val="75000"/>
+                  </a:schemeClr>
+                </a:solidFill>
+              </a:rPr>
+              <a:t>Save </a:t>
+            </a:r>
+            <a:br>
+              <a:rPr lang="en-US" sz="1400" dirty="0">
+                <a:solidFill>
+                  <a:schemeClr val="accent6">
+                    <a:lumMod val="75000"/>
+                  </a:schemeClr>
+                </a:solidFill>
+              </a:rPr>
+            </a:br>
+            <a:r>
+              <a:rPr lang="en-US" sz="1400" dirty="0">
+                <a:solidFill>
+                  <a:schemeClr val="accent6">
+                    <a:lumMod val="75000"/>
+                  </a:schemeClr>
+                </a:solidFill>
+              </a:rPr>
+              <a:t>to file</a:t>
+            </a:r>
+          </a:p>
+        </p:txBody>
+      </p:sp>
+      <p:cxnSp>
+        <p:nvCxnSpPr>
+          <p:cNvPr id="78" name="Straight Arrow Connector 77">
             <a:extLst>
               <a:ext uri="{FF2B5EF4-FFF2-40B4-BE49-F238E27FC236}">
-                <a16:creationId xmlns:a16="http://schemas.microsoft.com/office/drawing/2014/main" id="{6BC98D18-CA26-4E7D-B72D-E9EF0302FBE7}"/>
+                <a16:creationId xmlns:a16="http://schemas.microsoft.com/office/drawing/2014/main" id="{4AB8DFA2-C3DE-4CDF-82C8-BDE3320A5C3E}"/>
               </a:ext>
             </a:extLst>
           </p:cNvPr>
@@ -5244,55 +5069,9 @@
           <p:nvPr/>
         </p:nvCxnSpPr>
         <p:spPr>
-          <a:xfrm>
-            <a:off x="1591276" y="4341147"/>
-            <a:ext cx="1082439" cy="0"/>
-          </a:xfrm>
-          <a:prstGeom prst="straightConnector1">
-            <a:avLst/>
-          </a:prstGeom>
-          <a:ln w="19050">
-            <a:solidFill>
-              <a:srgbClr val="0070C0"/>
-            </a:solidFill>
-            <a:prstDash val="sysDash"/>
-            <a:headEnd type="arrow" w="med" len="med"/>
-            <a:tailEnd type="none" w="med" len="med"/>
-          </a:ln>
-        </p:spPr>
-        <p:style>
-          <a:lnRef idx="1">
-            <a:schemeClr val="accent1"/>
-          </a:lnRef>
-          <a:fillRef idx="0">
-            <a:schemeClr val="accent1"/>
-          </a:fillRef>
-          <a:effectRef idx="0">
-            <a:schemeClr val="accent1"/>
-          </a:effectRef>
-          <a:fontRef idx="minor">
-            <a:schemeClr val="tx1"/>
-          </a:fontRef>
-        </p:style>
-      </p:cxnSp>
-      <p:cxnSp>
-        <p:nvCxnSpPr>
-          <p:cNvPr id="81" name="Straight Arrow Connector 80">
-            <a:extLst>
-              <a:ext uri="{FF2B5EF4-FFF2-40B4-BE49-F238E27FC236}">
-                <a16:creationId xmlns:a16="http://schemas.microsoft.com/office/drawing/2014/main" id="{8430B619-4BD8-49B2-88D6-C0382537A1F7}"/>
-              </a:ext>
-            </a:extLst>
-          </p:cNvPr>
-          <p:cNvCxnSpPr>
-            <a:cxnSpLocks/>
-          </p:cNvCxnSpPr>
-          <p:nvPr/>
-        </p:nvCxnSpPr>
-        <p:spPr>
-          <a:xfrm>
-            <a:off x="1590524" y="4609493"/>
-            <a:ext cx="4504860" cy="0"/>
+          <a:xfrm flipV="1">
+            <a:off x="4203433" y="3883131"/>
+            <a:ext cx="3144005" cy="1"/>
           </a:xfrm>
           <a:prstGeom prst="straightConnector1">
             <a:avLst/>
@@ -5319,1208 +5098,10 @@
           </a:fontRef>
         </p:style>
       </p:cxnSp>
-      <p:sp>
-        <p:nvSpPr>
-          <p:cNvPr id="83" name="Rectangle 82">
-            <a:extLst>
-              <a:ext uri="{FF2B5EF4-FFF2-40B4-BE49-F238E27FC236}">
-                <a16:creationId xmlns:a16="http://schemas.microsoft.com/office/drawing/2014/main" id="{382F5E12-6C94-40E3-9491-37C1F86E3826}"/>
-              </a:ext>
-            </a:extLst>
-          </p:cNvPr>
-          <p:cNvSpPr/>
-          <p:nvPr/>
-        </p:nvSpPr>
-        <p:spPr>
-          <a:xfrm>
-            <a:off x="6093007" y="4597666"/>
-            <a:ext cx="131297" cy="1219826"/>
-          </a:xfrm>
-          <a:prstGeom prst="rect">
-            <a:avLst/>
-          </a:prstGeom>
-          <a:solidFill>
-            <a:srgbClr val="0070C0"/>
-          </a:solidFill>
-          <a:ln>
-            <a:solidFill>
-              <a:srgbClr val="0070C0"/>
-            </a:solidFill>
-          </a:ln>
-          <a:effectLst/>
-        </p:spPr>
-        <p:style>
-          <a:lnRef idx="1">
-            <a:schemeClr val="accent3"/>
-          </a:lnRef>
-          <a:fillRef idx="2">
-            <a:schemeClr val="accent3"/>
-          </a:fillRef>
-          <a:effectRef idx="1">
-            <a:schemeClr val="accent3"/>
-          </a:effectRef>
-          <a:fontRef idx="minor">
-            <a:schemeClr val="dk1"/>
-          </a:fontRef>
-        </p:style>
-        <p:txBody>
-          <a:bodyPr rtlCol="0" anchor="ctr"/>
-          <a:lstStyle/>
-          <a:p>
-            <a:pPr algn="ctr"/>
-            <a:endParaRPr lang="en-SG" sz="1050"/>
-          </a:p>
-        </p:txBody>
-      </p:sp>
-      <p:sp>
-        <p:nvSpPr>
-          <p:cNvPr id="87" name="TextBox 86">
-            <a:extLst>
-              <a:ext uri="{FF2B5EF4-FFF2-40B4-BE49-F238E27FC236}">
-                <a16:creationId xmlns:a16="http://schemas.microsoft.com/office/drawing/2014/main" id="{57EE0D07-0DFB-4A92-9B03-757525AD9EB2}"/>
-              </a:ext>
-            </a:extLst>
-          </p:cNvPr>
-          <p:cNvSpPr txBox="1"/>
-          <p:nvPr/>
-        </p:nvSpPr>
-        <p:spPr>
-          <a:xfrm>
-            <a:off x="3466193" y="4412286"/>
-            <a:ext cx="1758300" cy="138499"/>
-          </a:xfrm>
-          <a:prstGeom prst="rect">
-            <a:avLst/>
-          </a:prstGeom>
-          <a:noFill/>
-        </p:spPr>
-        <p:txBody>
-          <a:bodyPr wrap="square" lIns="0" tIns="0" rIns="0" bIns="0" rtlCol="0">
-            <a:spAutoFit/>
-          </a:bodyPr>
-          <a:lstStyle/>
-          <a:p>
-            <a:pPr algn="ctr"/>
-            <a:r>
-              <a:rPr lang="en-US" sz="900" dirty="0">
-                <a:solidFill>
-                  <a:srgbClr val="0070C0"/>
-                </a:solidFill>
-              </a:rPr>
-              <a:t>execute()</a:t>
-            </a:r>
-          </a:p>
-        </p:txBody>
-      </p:sp>
-      <p:sp>
-        <p:nvSpPr>
-          <p:cNvPr id="45" name="Rectangle 65">
-            <a:extLst>
-              <a:ext uri="{FF2B5EF4-FFF2-40B4-BE49-F238E27FC236}">
-                <a16:creationId xmlns:a16="http://schemas.microsoft.com/office/drawing/2014/main" id="{69225ED5-C91D-4FAB-B60A-A2563433086A}"/>
-              </a:ext>
-            </a:extLst>
-          </p:cNvPr>
-          <p:cNvSpPr/>
-          <p:nvPr/>
-        </p:nvSpPr>
-        <p:spPr>
-          <a:xfrm>
-            <a:off x="8010472" y="1105623"/>
-            <a:ext cx="1080197" cy="4857916"/>
-          </a:xfrm>
-          <a:prstGeom prst="roundRect">
-            <a:avLst>
-              <a:gd name="adj" fmla="val 3484"/>
-            </a:avLst>
-          </a:prstGeom>
-          <a:solidFill>
-            <a:schemeClr val="accent3">
-              <a:lumMod val="20000"/>
-              <a:lumOff val="80000"/>
-            </a:schemeClr>
-          </a:solidFill>
-          <a:ln w="19050">
-            <a:noFill/>
-          </a:ln>
-          <a:effectLst/>
-        </p:spPr>
-        <p:style>
-          <a:lnRef idx="1">
-            <a:schemeClr val="accent2"/>
-          </a:lnRef>
-          <a:fillRef idx="2">
-            <a:schemeClr val="accent2"/>
-          </a:fillRef>
-          <a:effectRef idx="1">
-            <a:schemeClr val="accent2"/>
-          </a:effectRef>
-          <a:fontRef idx="minor">
-            <a:schemeClr val="dk1"/>
-          </a:fontRef>
-        </p:style>
-        <p:txBody>
-          <a:bodyPr rtlCol="0" anchor="t"/>
-          <a:lstStyle/>
-          <a:p>
-            <a:r>
-              <a:rPr lang="en-US" sz="900" b="1" dirty="0">
-                <a:solidFill>
-                  <a:srgbClr val="7030A0"/>
-                </a:solidFill>
-              </a:rPr>
-              <a:t>Model</a:t>
-            </a:r>
-            <a:endParaRPr lang="en-SG" sz="900" b="1" dirty="0">
-              <a:solidFill>
-                <a:srgbClr val="7030A0"/>
-              </a:solidFill>
-            </a:endParaRPr>
-          </a:p>
-        </p:txBody>
-      </p:sp>
-      <p:sp>
-        <p:nvSpPr>
-          <p:cNvPr id="49" name="TextBox 48">
-            <a:extLst>
-              <a:ext uri="{FF2B5EF4-FFF2-40B4-BE49-F238E27FC236}">
-                <a16:creationId xmlns:a16="http://schemas.microsoft.com/office/drawing/2014/main" id="{DBFB9AD8-1C9B-4160-967D-D194CA0C5DAA}"/>
-              </a:ext>
-            </a:extLst>
-          </p:cNvPr>
-          <p:cNvSpPr txBox="1"/>
-          <p:nvPr/>
-        </p:nvSpPr>
-        <p:spPr>
-          <a:xfrm>
-            <a:off x="4046909" y="3946573"/>
-            <a:ext cx="941106" cy="138499"/>
-          </a:xfrm>
-          <a:prstGeom prst="rect">
-            <a:avLst/>
-          </a:prstGeom>
-          <a:noFill/>
-        </p:spPr>
-        <p:txBody>
-          <a:bodyPr wrap="square" lIns="0" tIns="0" rIns="0" bIns="0" rtlCol="0">
-            <a:spAutoFit/>
-          </a:bodyPr>
-          <a:lstStyle/>
-          <a:p>
-            <a:pPr algn="ctr"/>
-            <a:r>
-              <a:rPr lang="en-US" sz="900" dirty="0">
-                <a:solidFill>
-                  <a:srgbClr val="0070C0"/>
-                </a:solidFill>
-              </a:rPr>
-              <a:t>a</a:t>
-            </a:r>
-          </a:p>
-        </p:txBody>
-      </p:sp>
-      <p:sp>
-        <p:nvSpPr>
-          <p:cNvPr id="51" name="TextBox 50">
-            <a:extLst>
-              <a:ext uri="{FF2B5EF4-FFF2-40B4-BE49-F238E27FC236}">
-                <a16:creationId xmlns:a16="http://schemas.microsoft.com/office/drawing/2014/main" id="{82812E3B-E61B-4255-9AAD-F15A57A3E879}"/>
-              </a:ext>
-            </a:extLst>
-          </p:cNvPr>
-          <p:cNvSpPr txBox="1"/>
-          <p:nvPr/>
-        </p:nvSpPr>
-        <p:spPr>
-          <a:xfrm>
-            <a:off x="2856158" y="4062420"/>
-            <a:ext cx="941106" cy="138499"/>
-          </a:xfrm>
-          <a:prstGeom prst="rect">
-            <a:avLst/>
-          </a:prstGeom>
-          <a:noFill/>
-        </p:spPr>
-        <p:txBody>
-          <a:bodyPr wrap="square" lIns="0" tIns="0" rIns="0" bIns="0" rtlCol="0">
-            <a:spAutoFit/>
-          </a:bodyPr>
-          <a:lstStyle/>
-          <a:p>
-            <a:pPr algn="ctr"/>
-            <a:r>
-              <a:rPr lang="en-US" sz="900" dirty="0">
-                <a:solidFill>
-                  <a:srgbClr val="0070C0"/>
-                </a:solidFill>
-              </a:rPr>
-              <a:t>a</a:t>
-            </a:r>
-          </a:p>
-        </p:txBody>
-      </p:sp>
-      <p:sp>
-        <p:nvSpPr>
-          <p:cNvPr id="52" name="TextBox 51">
-            <a:extLst>
-              <a:ext uri="{FF2B5EF4-FFF2-40B4-BE49-F238E27FC236}">
-                <a16:creationId xmlns:a16="http://schemas.microsoft.com/office/drawing/2014/main" id="{74407D6A-BA53-4E63-B1CB-3C8F29AFDC77}"/>
-              </a:ext>
-            </a:extLst>
-          </p:cNvPr>
-          <p:cNvSpPr txBox="1"/>
-          <p:nvPr/>
-        </p:nvSpPr>
-        <p:spPr>
-          <a:xfrm>
-            <a:off x="1655490" y="4184922"/>
-            <a:ext cx="941106" cy="138499"/>
-          </a:xfrm>
-          <a:prstGeom prst="rect">
-            <a:avLst/>
-          </a:prstGeom>
-          <a:noFill/>
-        </p:spPr>
-        <p:txBody>
-          <a:bodyPr wrap="square" lIns="0" tIns="0" rIns="0" bIns="0" rtlCol="0">
-            <a:spAutoFit/>
-          </a:bodyPr>
-          <a:lstStyle/>
-          <a:p>
-            <a:pPr algn="ctr"/>
-            <a:r>
-              <a:rPr lang="en-US" sz="900" dirty="0">
-                <a:solidFill>
-                  <a:srgbClr val="0070C0"/>
-                </a:solidFill>
-              </a:rPr>
-              <a:t>a</a:t>
-            </a:r>
-          </a:p>
-        </p:txBody>
-      </p:sp>
-      <p:cxnSp>
-        <p:nvCxnSpPr>
-          <p:cNvPr id="53" name="Straight Arrow Connector 52">
-            <a:extLst>
-              <a:ext uri="{FF2B5EF4-FFF2-40B4-BE49-F238E27FC236}">
-                <a16:creationId xmlns:a16="http://schemas.microsoft.com/office/drawing/2014/main" id="{F858D263-02D8-4A13-AA1D-2F147D7C13B8}"/>
-              </a:ext>
-            </a:extLst>
-          </p:cNvPr>
-          <p:cNvCxnSpPr>
-            <a:cxnSpLocks/>
-          </p:cNvCxnSpPr>
-          <p:nvPr/>
-        </p:nvCxnSpPr>
-        <p:spPr>
-          <a:xfrm>
-            <a:off x="6210295" y="4696780"/>
-            <a:ext cx="2340276" cy="0"/>
-          </a:xfrm>
-          <a:prstGeom prst="straightConnector1">
-            <a:avLst/>
-          </a:prstGeom>
-          <a:ln w="19050">
-            <a:solidFill>
-              <a:srgbClr val="0070C0"/>
-            </a:solidFill>
-            <a:tailEnd type="arrow"/>
-          </a:ln>
-        </p:spPr>
-        <p:style>
-          <a:lnRef idx="1">
-            <a:schemeClr val="accent1"/>
-          </a:lnRef>
-          <a:fillRef idx="0">
-            <a:schemeClr val="accent1"/>
-          </a:fillRef>
-          <a:effectRef idx="0">
-            <a:schemeClr val="accent1"/>
-          </a:effectRef>
-          <a:fontRef idx="minor">
-            <a:schemeClr val="tx1"/>
-          </a:fontRef>
-        </p:style>
-      </p:cxnSp>
-      <p:sp>
-        <p:nvSpPr>
-          <p:cNvPr id="54" name="Rectangle 62">
-            <a:extLst>
-              <a:ext uri="{FF2B5EF4-FFF2-40B4-BE49-F238E27FC236}">
-                <a16:creationId xmlns:a16="http://schemas.microsoft.com/office/drawing/2014/main" id="{F078304E-9226-40CA-A1BD-6FA13D307124}"/>
-              </a:ext>
-            </a:extLst>
-          </p:cNvPr>
-          <p:cNvSpPr/>
-          <p:nvPr/>
-        </p:nvSpPr>
-        <p:spPr>
-          <a:xfrm>
-            <a:off x="8187511" y="3750252"/>
-            <a:ext cx="781916" cy="325364"/>
-          </a:xfrm>
-          <a:prstGeom prst="rect">
-            <a:avLst/>
-          </a:prstGeom>
-          <a:solidFill>
-            <a:srgbClr val="7030A0"/>
-          </a:solidFill>
-          <a:ln w="19050">
-            <a:solidFill>
-              <a:srgbClr val="7030A0"/>
-            </a:solidFill>
-          </a:ln>
-          <a:effectLst/>
-        </p:spPr>
-        <p:style>
-          <a:lnRef idx="1">
-            <a:schemeClr val="accent2"/>
-          </a:lnRef>
-          <a:fillRef idx="2">
-            <a:schemeClr val="accent2"/>
-          </a:fillRef>
-          <a:effectRef idx="1">
-            <a:schemeClr val="accent2"/>
-          </a:effectRef>
-          <a:fontRef idx="minor">
-            <a:schemeClr val="dk1"/>
-          </a:fontRef>
-        </p:style>
-        <p:txBody>
-          <a:bodyPr rtlCol="0" anchor="ctr"/>
-          <a:lstStyle/>
-          <a:p>
-            <a:pPr algn="ctr"/>
-            <a:r>
-              <a:rPr lang="en-US" sz="1200" dirty="0">
-                <a:solidFill>
-                  <a:schemeClr val="bg1"/>
-                </a:solidFill>
-              </a:rPr>
-              <a:t>: Model</a:t>
-            </a:r>
-            <a:endParaRPr lang="en-SG" sz="1200" dirty="0">
-              <a:solidFill>
-                <a:schemeClr val="bg1"/>
-              </a:solidFill>
-            </a:endParaRPr>
-          </a:p>
-        </p:txBody>
-      </p:sp>
-      <p:cxnSp>
-        <p:nvCxnSpPr>
-          <p:cNvPr id="55" name="Straight Connector 54">
-            <a:extLst>
-              <a:ext uri="{FF2B5EF4-FFF2-40B4-BE49-F238E27FC236}">
-                <a16:creationId xmlns:a16="http://schemas.microsoft.com/office/drawing/2014/main" id="{53D98FC4-86B5-4544-B934-33152A93248A}"/>
-              </a:ext>
-            </a:extLst>
-          </p:cNvPr>
-          <p:cNvCxnSpPr>
-            <a:cxnSpLocks/>
-          </p:cNvCxnSpPr>
-          <p:nvPr/>
-        </p:nvCxnSpPr>
-        <p:spPr>
-          <a:xfrm flipH="1">
-            <a:off x="8601915" y="4085783"/>
-            <a:ext cx="1" cy="1393412"/>
-          </a:xfrm>
-          <a:prstGeom prst="line">
-            <a:avLst/>
-          </a:prstGeom>
-          <a:ln w="19050">
-            <a:solidFill>
-              <a:srgbClr val="7030A0"/>
-            </a:solidFill>
-            <a:prstDash val="sysDash"/>
-          </a:ln>
-          <a:effectLst/>
-        </p:spPr>
-        <p:style>
-          <a:lnRef idx="1">
-            <a:schemeClr val="accent1"/>
-          </a:lnRef>
-          <a:fillRef idx="2">
-            <a:schemeClr val="accent1"/>
-          </a:fillRef>
-          <a:effectRef idx="1">
-            <a:schemeClr val="accent1"/>
-          </a:effectRef>
-          <a:fontRef idx="minor">
-            <a:schemeClr val="dk1"/>
-          </a:fontRef>
-        </p:style>
-      </p:cxnSp>
-      <p:sp>
-        <p:nvSpPr>
-          <p:cNvPr id="56" name="Rectangle 55">
-            <a:extLst>
-              <a:ext uri="{FF2B5EF4-FFF2-40B4-BE49-F238E27FC236}">
-                <a16:creationId xmlns:a16="http://schemas.microsoft.com/office/drawing/2014/main" id="{2E186A27-8F0F-4C4E-BC4D-0CA253827BF1}"/>
-              </a:ext>
-            </a:extLst>
-          </p:cNvPr>
-          <p:cNvSpPr/>
-          <p:nvPr/>
-        </p:nvSpPr>
-        <p:spPr>
-          <a:xfrm>
-            <a:off x="8540634" y="4685188"/>
-            <a:ext cx="125652" cy="192203"/>
-          </a:xfrm>
-          <a:prstGeom prst="rect">
-            <a:avLst/>
-          </a:prstGeom>
-          <a:solidFill>
-            <a:srgbClr val="7030A0"/>
-          </a:solidFill>
-          <a:ln>
-            <a:solidFill>
-              <a:srgbClr val="7030A0"/>
-            </a:solidFill>
-          </a:ln>
-          <a:effectLst/>
-        </p:spPr>
-        <p:style>
-          <a:lnRef idx="1">
-            <a:schemeClr val="accent3"/>
-          </a:lnRef>
-          <a:fillRef idx="2">
-            <a:schemeClr val="accent3"/>
-          </a:fillRef>
-          <a:effectRef idx="1">
-            <a:schemeClr val="accent3"/>
-          </a:effectRef>
-          <a:fontRef idx="minor">
-            <a:schemeClr val="dk1"/>
-          </a:fontRef>
-        </p:style>
-        <p:txBody>
-          <a:bodyPr rtlCol="0" anchor="ctr"/>
-          <a:lstStyle/>
-          <a:p>
-            <a:pPr algn="ctr"/>
-            <a:endParaRPr lang="en-SG" sz="1050"/>
-          </a:p>
-        </p:txBody>
-      </p:sp>
-      <p:sp>
-        <p:nvSpPr>
-          <p:cNvPr id="58" name="TextBox 57">
-            <a:extLst>
-              <a:ext uri="{FF2B5EF4-FFF2-40B4-BE49-F238E27FC236}">
-                <a16:creationId xmlns:a16="http://schemas.microsoft.com/office/drawing/2014/main" id="{D40499D2-604D-4C61-A857-D5F44735D598}"/>
-              </a:ext>
-            </a:extLst>
-          </p:cNvPr>
-          <p:cNvSpPr txBox="1"/>
-          <p:nvPr/>
-        </p:nvSpPr>
-        <p:spPr>
-          <a:xfrm>
-            <a:off x="6467550" y="4498882"/>
-            <a:ext cx="1758300" cy="138499"/>
-          </a:xfrm>
-          <a:prstGeom prst="rect">
-            <a:avLst/>
-          </a:prstGeom>
-          <a:noFill/>
-        </p:spPr>
-        <p:txBody>
-          <a:bodyPr wrap="square" lIns="0" tIns="0" rIns="0" bIns="0" rtlCol="0">
-            <a:spAutoFit/>
-          </a:bodyPr>
-          <a:lstStyle/>
-          <a:p>
-            <a:pPr algn="ctr"/>
-            <a:r>
-              <a:rPr lang="en-US" sz="900" dirty="0" err="1">
-                <a:solidFill>
-                  <a:srgbClr val="0070C0"/>
-                </a:solidFill>
-              </a:rPr>
-              <a:t>deleteOrder</a:t>
-            </a:r>
-            <a:r>
-              <a:rPr lang="en-US" sz="900" dirty="0">
-                <a:solidFill>
-                  <a:srgbClr val="0070C0"/>
-                </a:solidFill>
-              </a:rPr>
-              <a:t>(order)</a:t>
-            </a:r>
-          </a:p>
-        </p:txBody>
-      </p:sp>
-      <p:cxnSp>
-        <p:nvCxnSpPr>
-          <p:cNvPr id="61" name="Straight Arrow Connector 60">
-            <a:extLst>
-              <a:ext uri="{FF2B5EF4-FFF2-40B4-BE49-F238E27FC236}">
-                <a16:creationId xmlns:a16="http://schemas.microsoft.com/office/drawing/2014/main" id="{09107A37-B1D7-4CD6-888B-E5CCCBA5523B}"/>
-              </a:ext>
-            </a:extLst>
-          </p:cNvPr>
-          <p:cNvCxnSpPr>
-            <a:cxnSpLocks/>
-          </p:cNvCxnSpPr>
-          <p:nvPr/>
-        </p:nvCxnSpPr>
-        <p:spPr>
-          <a:xfrm>
-            <a:off x="6208799" y="4870826"/>
-            <a:ext cx="2347709" cy="0"/>
-          </a:xfrm>
-          <a:prstGeom prst="straightConnector1">
-            <a:avLst/>
-          </a:prstGeom>
-          <a:ln w="19050">
-            <a:solidFill>
-              <a:srgbClr val="0070C0"/>
-            </a:solidFill>
-            <a:prstDash val="sysDash"/>
-            <a:headEnd type="arrow" w="med" len="med"/>
-            <a:tailEnd type="none" w="med" len="med"/>
-          </a:ln>
-        </p:spPr>
-        <p:style>
-          <a:lnRef idx="1">
-            <a:schemeClr val="accent1"/>
-          </a:lnRef>
-          <a:fillRef idx="0">
-            <a:schemeClr val="accent1"/>
-          </a:fillRef>
-          <a:effectRef idx="0">
-            <a:schemeClr val="accent1"/>
-          </a:effectRef>
-          <a:fontRef idx="minor">
-            <a:schemeClr val="tx1"/>
-          </a:fontRef>
-        </p:style>
-      </p:cxnSp>
-      <p:sp>
-        <p:nvSpPr>
-          <p:cNvPr id="62" name="Rectangle 62">
-            <a:extLst>
-              <a:ext uri="{FF2B5EF4-FFF2-40B4-BE49-F238E27FC236}">
-                <a16:creationId xmlns:a16="http://schemas.microsoft.com/office/drawing/2014/main" id="{3C2AEC05-743E-4568-AF59-E29D2B1DFD0C}"/>
-              </a:ext>
-            </a:extLst>
-          </p:cNvPr>
-          <p:cNvSpPr/>
-          <p:nvPr/>
-        </p:nvSpPr>
-        <p:spPr>
-          <a:xfrm>
-            <a:off x="6520794" y="5299261"/>
-            <a:ext cx="825906" cy="325648"/>
-          </a:xfrm>
-          <a:prstGeom prst="rect">
-            <a:avLst/>
-          </a:prstGeom>
-          <a:solidFill>
-            <a:srgbClr val="0070C0"/>
-          </a:solidFill>
-          <a:ln w="19050">
-            <a:solidFill>
-              <a:srgbClr val="0070C0"/>
-            </a:solidFill>
-          </a:ln>
-          <a:effectLst/>
-        </p:spPr>
-        <p:style>
-          <a:lnRef idx="1">
-            <a:schemeClr val="accent2"/>
-          </a:lnRef>
-          <a:fillRef idx="2">
-            <a:schemeClr val="accent2"/>
-          </a:fillRef>
-          <a:effectRef idx="1">
-            <a:schemeClr val="accent2"/>
-          </a:effectRef>
-          <a:fontRef idx="minor">
-            <a:schemeClr val="dk1"/>
-          </a:fontRef>
-        </p:style>
-        <p:txBody>
-          <a:bodyPr rtlCol="0" anchor="ctr"/>
-          <a:lstStyle/>
-          <a:p>
-            <a:pPr algn="ctr"/>
-            <a:r>
-              <a:rPr lang="en-US" sz="1200" dirty="0">
-                <a:solidFill>
-                  <a:schemeClr val="bg1"/>
-                </a:solidFill>
-              </a:rPr>
-              <a:t>r:CommandResult</a:t>
-            </a:r>
-            <a:endParaRPr lang="en-SG" sz="1200" dirty="0">
-              <a:solidFill>
-                <a:schemeClr val="bg1"/>
-              </a:solidFill>
-            </a:endParaRPr>
-          </a:p>
-        </p:txBody>
-      </p:sp>
-      <p:cxnSp>
-        <p:nvCxnSpPr>
-          <p:cNvPr id="63" name="Straight Arrow Connector 62">
-            <a:extLst>
-              <a:ext uri="{FF2B5EF4-FFF2-40B4-BE49-F238E27FC236}">
-                <a16:creationId xmlns:a16="http://schemas.microsoft.com/office/drawing/2014/main" id="{4213CE37-EF39-400A-A912-E971811A7710}"/>
-              </a:ext>
-            </a:extLst>
-          </p:cNvPr>
-          <p:cNvCxnSpPr>
-            <a:cxnSpLocks/>
-            <a:endCxn id="62" idx="1"/>
-          </p:cNvCxnSpPr>
-          <p:nvPr/>
-        </p:nvCxnSpPr>
-        <p:spPr>
-          <a:xfrm>
-            <a:off x="6218559" y="5459409"/>
-            <a:ext cx="302235" cy="2677"/>
-          </a:xfrm>
-          <a:prstGeom prst="straightConnector1">
-            <a:avLst/>
-          </a:prstGeom>
-          <a:ln w="19050">
-            <a:solidFill>
-              <a:srgbClr val="0070C0"/>
-            </a:solidFill>
-            <a:tailEnd type="arrow"/>
-          </a:ln>
-        </p:spPr>
-        <p:style>
-          <a:lnRef idx="1">
-            <a:schemeClr val="accent1"/>
-          </a:lnRef>
-          <a:fillRef idx="0">
-            <a:schemeClr val="accent1"/>
-          </a:fillRef>
-          <a:effectRef idx="0">
-            <a:schemeClr val="accent1"/>
-          </a:effectRef>
-          <a:fontRef idx="minor">
-            <a:schemeClr val="tx1"/>
-          </a:fontRef>
-        </p:style>
-      </p:cxnSp>
-      <p:cxnSp>
-        <p:nvCxnSpPr>
-          <p:cNvPr id="67" name="Straight Connector 66">
-            <a:extLst>
-              <a:ext uri="{FF2B5EF4-FFF2-40B4-BE49-F238E27FC236}">
-                <a16:creationId xmlns:a16="http://schemas.microsoft.com/office/drawing/2014/main" id="{E47F5CC1-DB62-43A6-81D7-14E48295C12A}"/>
-              </a:ext>
-            </a:extLst>
-          </p:cNvPr>
-          <p:cNvCxnSpPr>
-            <a:cxnSpLocks/>
-          </p:cNvCxnSpPr>
-          <p:nvPr/>
-        </p:nvCxnSpPr>
-        <p:spPr>
-          <a:xfrm>
-            <a:off x="6985829" y="5612628"/>
-            <a:ext cx="0" cy="210221"/>
-          </a:xfrm>
-          <a:prstGeom prst="line">
-            <a:avLst/>
-          </a:prstGeom>
-          <a:ln w="19050">
-            <a:solidFill>
-              <a:srgbClr val="0070C0"/>
-            </a:solidFill>
-            <a:prstDash val="sysDash"/>
-          </a:ln>
-          <a:effectLst/>
-        </p:spPr>
-        <p:style>
-          <a:lnRef idx="1">
-            <a:schemeClr val="accent1"/>
-          </a:lnRef>
-          <a:fillRef idx="2">
-            <a:schemeClr val="accent1"/>
-          </a:fillRef>
-          <a:effectRef idx="1">
-            <a:schemeClr val="accent1"/>
-          </a:effectRef>
-          <a:fontRef idx="minor">
-            <a:schemeClr val="dk1"/>
-          </a:fontRef>
-        </p:style>
-      </p:cxnSp>
-      <p:sp>
-        <p:nvSpPr>
-          <p:cNvPr id="68" name="Rectangle 67">
-            <a:extLst>
-              <a:ext uri="{FF2B5EF4-FFF2-40B4-BE49-F238E27FC236}">
-                <a16:creationId xmlns:a16="http://schemas.microsoft.com/office/drawing/2014/main" id="{55747C30-A786-4DE6-B8A4-36A68572D29F}"/>
-              </a:ext>
-            </a:extLst>
-          </p:cNvPr>
-          <p:cNvSpPr/>
-          <p:nvPr/>
-        </p:nvSpPr>
-        <p:spPr>
-          <a:xfrm>
-            <a:off x="6927928" y="5624739"/>
-            <a:ext cx="108936" cy="116325"/>
-          </a:xfrm>
-          <a:prstGeom prst="rect">
-            <a:avLst/>
-          </a:prstGeom>
-          <a:solidFill>
-            <a:srgbClr val="0070C0"/>
-          </a:solidFill>
-          <a:ln>
-            <a:solidFill>
-              <a:srgbClr val="0070C0"/>
-            </a:solidFill>
-          </a:ln>
-          <a:effectLst/>
-        </p:spPr>
-        <p:style>
-          <a:lnRef idx="1">
-            <a:schemeClr val="accent3"/>
-          </a:lnRef>
-          <a:fillRef idx="2">
-            <a:schemeClr val="accent3"/>
-          </a:fillRef>
-          <a:effectRef idx="1">
-            <a:schemeClr val="accent3"/>
-          </a:effectRef>
-          <a:fontRef idx="minor">
-            <a:schemeClr val="dk1"/>
-          </a:fontRef>
-        </p:style>
-        <p:txBody>
-          <a:bodyPr rtlCol="0" anchor="ctr"/>
-          <a:lstStyle/>
-          <a:p>
-            <a:pPr algn="ctr"/>
-            <a:endParaRPr lang="en-SG" sz="1050"/>
-          </a:p>
-        </p:txBody>
-      </p:sp>
-      <p:cxnSp>
-        <p:nvCxnSpPr>
-          <p:cNvPr id="70" name="Straight Arrow Connector 69">
-            <a:extLst>
-              <a:ext uri="{FF2B5EF4-FFF2-40B4-BE49-F238E27FC236}">
-                <a16:creationId xmlns:a16="http://schemas.microsoft.com/office/drawing/2014/main" id="{8016CDDC-F307-4BAA-927E-12981503D645}"/>
-              </a:ext>
-            </a:extLst>
-          </p:cNvPr>
-          <p:cNvCxnSpPr>
-            <a:cxnSpLocks/>
-          </p:cNvCxnSpPr>
-          <p:nvPr/>
-        </p:nvCxnSpPr>
-        <p:spPr>
-          <a:xfrm>
-            <a:off x="6218559" y="5748936"/>
-            <a:ext cx="706808" cy="0"/>
-          </a:xfrm>
-          <a:prstGeom prst="straightConnector1">
-            <a:avLst/>
-          </a:prstGeom>
-          <a:ln w="19050">
-            <a:solidFill>
-              <a:srgbClr val="0070C0"/>
-            </a:solidFill>
-            <a:prstDash val="sysDash"/>
-            <a:headEnd type="arrow" w="med" len="med"/>
-            <a:tailEnd type="none" w="med" len="med"/>
-          </a:ln>
-        </p:spPr>
-        <p:style>
-          <a:lnRef idx="1">
-            <a:schemeClr val="accent1"/>
-          </a:lnRef>
-          <a:fillRef idx="0">
-            <a:schemeClr val="accent1"/>
-          </a:fillRef>
-          <a:effectRef idx="0">
-            <a:schemeClr val="accent1"/>
-          </a:effectRef>
-          <a:fontRef idx="minor">
-            <a:schemeClr val="tx1"/>
-          </a:fontRef>
-        </p:style>
-      </p:cxnSp>
-      <p:cxnSp>
-        <p:nvCxnSpPr>
-          <p:cNvPr id="73" name="Straight Arrow Connector 72">
-            <a:extLst>
-              <a:ext uri="{FF2B5EF4-FFF2-40B4-BE49-F238E27FC236}">
-                <a16:creationId xmlns:a16="http://schemas.microsoft.com/office/drawing/2014/main" id="{9F581882-3C12-4991-B0A1-A34BAEF2EECB}"/>
-              </a:ext>
-            </a:extLst>
-          </p:cNvPr>
-          <p:cNvCxnSpPr>
-            <a:cxnSpLocks/>
-          </p:cNvCxnSpPr>
-          <p:nvPr/>
-        </p:nvCxnSpPr>
-        <p:spPr>
-          <a:xfrm flipV="1">
-            <a:off x="1590524" y="5817492"/>
-            <a:ext cx="4502484" cy="5353"/>
-          </a:xfrm>
-          <a:prstGeom prst="straightConnector1">
-            <a:avLst/>
-          </a:prstGeom>
-          <a:ln w="19050">
-            <a:solidFill>
-              <a:srgbClr val="0070C0"/>
-            </a:solidFill>
-            <a:prstDash val="sysDash"/>
-            <a:headEnd type="arrow" w="med" len="med"/>
-            <a:tailEnd type="none" w="med" len="med"/>
-          </a:ln>
-        </p:spPr>
-        <p:style>
-          <a:lnRef idx="1">
-            <a:schemeClr val="accent1"/>
-          </a:lnRef>
-          <a:fillRef idx="0">
-            <a:schemeClr val="accent1"/>
-          </a:fillRef>
-          <a:effectRef idx="0">
-            <a:schemeClr val="accent1"/>
-          </a:effectRef>
-          <a:fontRef idx="minor">
-            <a:schemeClr val="tx1"/>
-          </a:fontRef>
-        </p:style>
-      </p:cxnSp>
-      <p:sp>
-        <p:nvSpPr>
-          <p:cNvPr id="82" name="TextBox 81">
-            <a:extLst>
-              <a:ext uri="{FF2B5EF4-FFF2-40B4-BE49-F238E27FC236}">
-                <a16:creationId xmlns:a16="http://schemas.microsoft.com/office/drawing/2014/main" id="{9799E675-82B2-4822-A2CF-5EEE551DF33F}"/>
-              </a:ext>
-            </a:extLst>
-          </p:cNvPr>
-          <p:cNvSpPr txBox="1"/>
-          <p:nvPr/>
-        </p:nvSpPr>
-        <p:spPr>
-          <a:xfrm>
-            <a:off x="3797264" y="5626257"/>
-            <a:ext cx="941106" cy="138499"/>
-          </a:xfrm>
-          <a:prstGeom prst="rect">
-            <a:avLst/>
-          </a:prstGeom>
-          <a:noFill/>
-        </p:spPr>
-        <p:txBody>
-          <a:bodyPr wrap="square" lIns="0" tIns="0" rIns="0" bIns="0" rtlCol="0">
-            <a:spAutoFit/>
-          </a:bodyPr>
-          <a:lstStyle/>
-          <a:p>
-            <a:pPr algn="ctr"/>
-            <a:r>
-              <a:rPr lang="en-US" sz="900" dirty="0">
-                <a:solidFill>
-                  <a:srgbClr val="0070C0"/>
-                </a:solidFill>
-              </a:rPr>
-              <a:t>r</a:t>
-            </a:r>
-          </a:p>
-        </p:txBody>
-      </p:sp>
-      <p:sp>
-        <p:nvSpPr>
-          <p:cNvPr id="84" name="TextBox 83">
-            <a:extLst>
-              <a:ext uri="{FF2B5EF4-FFF2-40B4-BE49-F238E27FC236}">
-                <a16:creationId xmlns:a16="http://schemas.microsoft.com/office/drawing/2014/main" id="{14E0E43A-4CD2-4360-B717-F0EA1E101ED6}"/>
-              </a:ext>
-            </a:extLst>
-          </p:cNvPr>
-          <p:cNvSpPr txBox="1"/>
-          <p:nvPr/>
-        </p:nvSpPr>
-        <p:spPr>
-          <a:xfrm>
-            <a:off x="651540" y="5703008"/>
-            <a:ext cx="941106" cy="138499"/>
-          </a:xfrm>
-          <a:prstGeom prst="rect">
-            <a:avLst/>
-          </a:prstGeom>
-          <a:noFill/>
-        </p:spPr>
-        <p:txBody>
-          <a:bodyPr wrap="square" lIns="0" tIns="0" rIns="0" bIns="0" rtlCol="0">
-            <a:spAutoFit/>
-          </a:bodyPr>
-          <a:lstStyle/>
-          <a:p>
-            <a:pPr algn="ctr"/>
-            <a:r>
-              <a:rPr lang="en-US" sz="900" dirty="0">
-                <a:solidFill>
-                  <a:srgbClr val="0070C0"/>
-                </a:solidFill>
-              </a:rPr>
-              <a:t>r</a:t>
-            </a:r>
-          </a:p>
-        </p:txBody>
-      </p:sp>
-      <p:cxnSp>
-        <p:nvCxnSpPr>
-          <p:cNvPr id="85" name="Straight Arrow Connector 84">
-            <a:extLst>
-              <a:ext uri="{FF2B5EF4-FFF2-40B4-BE49-F238E27FC236}">
-                <a16:creationId xmlns:a16="http://schemas.microsoft.com/office/drawing/2014/main" id="{1DF15AE5-F1BB-485B-9242-A7674E162A44}"/>
-              </a:ext>
-            </a:extLst>
-          </p:cNvPr>
-          <p:cNvCxnSpPr>
-            <a:cxnSpLocks/>
-          </p:cNvCxnSpPr>
-          <p:nvPr/>
-        </p:nvCxnSpPr>
-        <p:spPr>
-          <a:xfrm>
-            <a:off x="674582" y="5877564"/>
-            <a:ext cx="806760" cy="1"/>
-          </a:xfrm>
-          <a:prstGeom prst="straightConnector1">
-            <a:avLst/>
-          </a:prstGeom>
-          <a:ln w="19050">
-            <a:solidFill>
-              <a:srgbClr val="0070C0"/>
-            </a:solidFill>
-            <a:prstDash val="sysDash"/>
-            <a:headEnd type="arrow" w="med" len="med"/>
-            <a:tailEnd type="none" w="med" len="med"/>
-          </a:ln>
-        </p:spPr>
-        <p:style>
-          <a:lnRef idx="1">
-            <a:schemeClr val="accent1"/>
-          </a:lnRef>
-          <a:fillRef idx="0">
-            <a:schemeClr val="accent1"/>
-          </a:fillRef>
-          <a:effectRef idx="0">
-            <a:schemeClr val="accent1"/>
-          </a:effectRef>
-          <a:fontRef idx="minor">
-            <a:schemeClr val="tx1"/>
-          </a:fontRef>
-        </p:style>
-      </p:cxnSp>
-      <p:cxnSp>
-        <p:nvCxnSpPr>
-          <p:cNvPr id="64" name="Straight Arrow Connector 63">
-            <a:extLst>
-              <a:ext uri="{FF2B5EF4-FFF2-40B4-BE49-F238E27FC236}">
-                <a16:creationId xmlns:a16="http://schemas.microsoft.com/office/drawing/2014/main" id="{F214AC8A-D18C-429E-9924-79E57D474B62}"/>
-              </a:ext>
-            </a:extLst>
-          </p:cNvPr>
-          <p:cNvCxnSpPr>
-            <a:cxnSpLocks/>
-          </p:cNvCxnSpPr>
-          <p:nvPr/>
-        </p:nvCxnSpPr>
-        <p:spPr>
-          <a:xfrm>
-            <a:off x="6218559" y="5057435"/>
-            <a:ext cx="2340276" cy="0"/>
-          </a:xfrm>
-          <a:prstGeom prst="straightConnector1">
-            <a:avLst/>
-          </a:prstGeom>
-          <a:ln w="19050">
-            <a:solidFill>
-              <a:srgbClr val="0070C0"/>
-            </a:solidFill>
-            <a:tailEnd type="arrow"/>
-          </a:ln>
-        </p:spPr>
-        <p:style>
-          <a:lnRef idx="1">
-            <a:schemeClr val="accent1"/>
-          </a:lnRef>
-          <a:fillRef idx="0">
-            <a:schemeClr val="accent1"/>
-          </a:fillRef>
-          <a:effectRef idx="0">
-            <a:schemeClr val="accent1"/>
-          </a:effectRef>
-          <a:fontRef idx="minor">
-            <a:schemeClr val="tx1"/>
-          </a:fontRef>
-        </p:style>
-      </p:cxnSp>
-      <p:sp>
-        <p:nvSpPr>
-          <p:cNvPr id="65" name="Rectangle 64">
-            <a:extLst>
-              <a:ext uri="{FF2B5EF4-FFF2-40B4-BE49-F238E27FC236}">
-                <a16:creationId xmlns:a16="http://schemas.microsoft.com/office/drawing/2014/main" id="{F84C20C8-F98F-4490-9426-16E40F566961}"/>
-              </a:ext>
-            </a:extLst>
-          </p:cNvPr>
-          <p:cNvSpPr/>
-          <p:nvPr/>
-        </p:nvSpPr>
-        <p:spPr>
-          <a:xfrm>
-            <a:off x="8540634" y="5031121"/>
-            <a:ext cx="125652" cy="135380"/>
-          </a:xfrm>
-          <a:prstGeom prst="rect">
-            <a:avLst/>
-          </a:prstGeom>
-          <a:solidFill>
-            <a:srgbClr val="7030A0"/>
-          </a:solidFill>
-          <a:ln>
-            <a:solidFill>
-              <a:srgbClr val="7030A0"/>
-            </a:solidFill>
-          </a:ln>
-          <a:effectLst/>
-        </p:spPr>
-        <p:style>
-          <a:lnRef idx="1">
-            <a:schemeClr val="accent3"/>
-          </a:lnRef>
-          <a:fillRef idx="2">
-            <a:schemeClr val="accent3"/>
-          </a:fillRef>
-          <a:effectRef idx="1">
-            <a:schemeClr val="accent3"/>
-          </a:effectRef>
-          <a:fontRef idx="minor">
-            <a:schemeClr val="dk1"/>
-          </a:fontRef>
-        </p:style>
-        <p:txBody>
-          <a:bodyPr rtlCol="0" anchor="ctr"/>
-          <a:lstStyle/>
-          <a:p>
-            <a:pPr algn="ctr"/>
-            <a:endParaRPr lang="en-SG" sz="1050"/>
-          </a:p>
-        </p:txBody>
-      </p:sp>
-      <p:cxnSp>
-        <p:nvCxnSpPr>
-          <p:cNvPr id="72" name="Straight Arrow Connector 71">
-            <a:extLst>
-              <a:ext uri="{FF2B5EF4-FFF2-40B4-BE49-F238E27FC236}">
-                <a16:creationId xmlns:a16="http://schemas.microsoft.com/office/drawing/2014/main" id="{3BAE6FFA-39E9-437A-A847-E92DD6661782}"/>
-              </a:ext>
-            </a:extLst>
-          </p:cNvPr>
-          <p:cNvCxnSpPr>
-            <a:cxnSpLocks/>
-          </p:cNvCxnSpPr>
-          <p:nvPr/>
-        </p:nvCxnSpPr>
-        <p:spPr>
-          <a:xfrm>
-            <a:off x="6224304" y="5166501"/>
-            <a:ext cx="2316330" cy="0"/>
-          </a:xfrm>
-          <a:prstGeom prst="straightConnector1">
-            <a:avLst/>
-          </a:prstGeom>
-          <a:ln w="19050">
-            <a:solidFill>
-              <a:srgbClr val="0070C0"/>
-            </a:solidFill>
-            <a:prstDash val="sysDash"/>
-            <a:headEnd type="arrow" w="med" len="med"/>
-            <a:tailEnd type="none" w="med" len="med"/>
-          </a:ln>
-        </p:spPr>
-        <p:style>
-          <a:lnRef idx="1">
-            <a:schemeClr val="accent1"/>
-          </a:lnRef>
-          <a:fillRef idx="0">
-            <a:schemeClr val="accent1"/>
-          </a:fillRef>
-          <a:effectRef idx="0">
-            <a:schemeClr val="accent1"/>
-          </a:effectRef>
-          <a:fontRef idx="minor">
-            <a:schemeClr val="tx1"/>
-          </a:fontRef>
-        </p:style>
-      </p:cxnSp>
-      <p:sp>
-        <p:nvSpPr>
-          <p:cNvPr id="74" name="TextBox 73">
-            <a:extLst>
-              <a:ext uri="{FF2B5EF4-FFF2-40B4-BE49-F238E27FC236}">
-                <a16:creationId xmlns:a16="http://schemas.microsoft.com/office/drawing/2014/main" id="{EB2D1BF9-E14C-401A-B2CF-E70C2818EA95}"/>
-              </a:ext>
-            </a:extLst>
-          </p:cNvPr>
-          <p:cNvSpPr txBox="1"/>
-          <p:nvPr/>
-        </p:nvSpPr>
-        <p:spPr>
-          <a:xfrm>
-            <a:off x="6476059" y="4890526"/>
-            <a:ext cx="1758300" cy="138499"/>
-          </a:xfrm>
-          <a:prstGeom prst="rect">
-            <a:avLst/>
-          </a:prstGeom>
-          <a:noFill/>
-        </p:spPr>
-        <p:txBody>
-          <a:bodyPr wrap="square" lIns="0" tIns="0" rIns="0" bIns="0" rtlCol="0">
-            <a:spAutoFit/>
-          </a:bodyPr>
-          <a:lstStyle/>
-          <a:p>
-            <a:pPr algn="ctr"/>
-            <a:r>
-              <a:rPr lang="en-US" sz="900" dirty="0" err="1">
-                <a:solidFill>
-                  <a:srgbClr val="0070C0"/>
-                </a:solidFill>
-              </a:rPr>
-              <a:t>commitOrderBook</a:t>
-            </a:r>
-            <a:r>
-              <a:rPr lang="en-US" sz="900" dirty="0">
-                <a:solidFill>
-                  <a:srgbClr val="0070C0"/>
-                </a:solidFill>
-              </a:rPr>
-              <a:t>()</a:t>
-            </a:r>
-          </a:p>
-        </p:txBody>
-      </p:sp>
     </p:spTree>
     <p:extLst>
       <p:ext uri="{BB962C8B-B14F-4D97-AF65-F5344CB8AC3E}">
-        <p14:creationId xmlns:p14="http://schemas.microsoft.com/office/powerpoint/2010/main" val="120575923"/>
+        <p14:creationId xmlns:p14="http://schemas.microsoft.com/office/powerpoint/2010/main" val="4023378879"/>
       </p:ext>
     </p:extLst>
   </p:cSld>
